--- a/lectures/week6/lecture1/slides/week6_lecture1.pptx
+++ b/lectures/week6/lecture1/slides/week6_lecture1.pptx
@@ -2,7 +2,7 @@
 <file path=ppt/presentation.xml><?xml version="1.0" encoding="utf-8"?>
 <p:presentation xmlns:a="http://schemas.openxmlformats.org/drawingml/2006/main" xmlns:r="http://schemas.openxmlformats.org/officeDocument/2006/relationships" xmlns:p="http://schemas.openxmlformats.org/presentationml/2006/main" saveSubsetFonts="1">
   <p:sldMasterIdLst>
-    <p:sldMasterId id="2147483665" r:id="rId1"/>
+    <p:sldMasterId id="2147483670" r:id="rId1"/>
   </p:sldMasterIdLst>
   <p:sldIdLst>
     <p:sldId id="256" r:id="rId2"/>
@@ -181,7 +181,7 @@
           <p:cNvPr id="2" name="Title 1">
             <a:extLst>
               <a:ext uri="{FF2B5EF4-FFF2-40B4-BE49-F238E27FC236}">
-                <a16:creationId xmlns:a16="http://schemas.microsoft.com/office/drawing/2014/main" id="{8C70E9A4-6E61-4AF5-9711-A3D313611356}"/>
+                <a16:creationId xmlns:a16="http://schemas.microsoft.com/office/drawing/2014/main" id="{45F8F638-606D-A22E-8F9F-A4A6D858EDA6}"/>
               </a:ext>
             </a:extLst>
           </p:cNvPr>
@@ -194,17 +194,15 @@
         </p:nvSpPr>
         <p:spPr>
           <a:xfrm>
-            <a:off x="335947" y="2409479"/>
+            <a:off x="335947" y="3285779"/>
             <a:ext cx="11391065" cy="893580"/>
           </a:xfrm>
         </p:spPr>
         <p:txBody>
-          <a:bodyPr anchor="b">
-            <a:normAutofit/>
-          </a:bodyPr>
+          <a:bodyPr/>
           <a:lstStyle>
-            <a:lvl1pPr algn="l">
-              <a:defRPr sz="4800">
+            <a:lvl1pPr>
+              <a:defRPr>
                 <a:solidFill>
                   <a:srgbClr val="FFFFFF"/>
                 </a:solidFill>
@@ -216,7 +214,7 @@
               <a:rPr lang="en-US"/>
               <a:t>Click to edit Master title style</a:t>
             </a:r>
-            <a:endParaRPr lang="en-CA" dirty="0"/>
+            <a:endParaRPr lang="en-US" dirty="0"/>
           </a:p>
         </p:txBody>
       </p:sp>
@@ -225,7 +223,7 @@
           <p:cNvPr id="3" name="Subtitle 2">
             <a:extLst>
               <a:ext uri="{FF2B5EF4-FFF2-40B4-BE49-F238E27FC236}">
-                <a16:creationId xmlns:a16="http://schemas.microsoft.com/office/drawing/2014/main" id="{959B255B-D275-45F6-ACB5-BBD491BB4ADD}"/>
+                <a16:creationId xmlns:a16="http://schemas.microsoft.com/office/drawing/2014/main" id="{4EB4BAB1-A261-2102-CEA9-063F697A42AF}"/>
               </a:ext>
             </a:extLst>
           </p:cNvPr>
@@ -238,70 +236,35 @@
         </p:nvSpPr>
         <p:spPr>
           <a:xfrm>
-            <a:off x="335947" y="3848999"/>
+            <a:off x="335947" y="4553849"/>
             <a:ext cx="11391065" cy="1655762"/>
           </a:xfrm>
-          <a:prstGeom prst="rect">
-            <a:avLst/>
-          </a:prstGeom>
         </p:spPr>
         <p:txBody>
           <a:bodyPr/>
           <a:lstStyle>
-            <a:lvl1pPr marL="0" indent="0" algn="l">
+            <a:lvl1pPr marL="0" indent="0">
               <a:buNone/>
-              <a:defRPr sz="2400">
+              <a:defRPr>
                 <a:solidFill>
                   <a:srgbClr val="FFFFFF"/>
                 </a:solidFill>
               </a:defRPr>
             </a:lvl1pPr>
-            <a:lvl2pPr marL="457200" indent="0" algn="ctr">
-              <a:buNone/>
-              <a:defRPr sz="2000"/>
-            </a:lvl2pPr>
-            <a:lvl3pPr marL="914400" indent="0" algn="ctr">
-              <a:buNone/>
-              <a:defRPr sz="1800"/>
-            </a:lvl3pPr>
-            <a:lvl4pPr marL="1371600" indent="0" algn="ctr">
-              <a:buNone/>
-              <a:defRPr sz="1600"/>
-            </a:lvl4pPr>
-            <a:lvl5pPr marL="1828800" indent="0" algn="ctr">
-              <a:buNone/>
-              <a:defRPr sz="1600"/>
-            </a:lvl5pPr>
-            <a:lvl6pPr marL="2286000" indent="0" algn="ctr">
-              <a:buNone/>
-              <a:defRPr sz="1600"/>
-            </a:lvl6pPr>
-            <a:lvl7pPr marL="2743200" indent="0" algn="ctr">
-              <a:buNone/>
-              <a:defRPr sz="1600"/>
-            </a:lvl7pPr>
-            <a:lvl8pPr marL="3200400" indent="0" algn="ctr">
-              <a:buNone/>
-              <a:defRPr sz="1600"/>
-            </a:lvl8pPr>
-            <a:lvl9pPr marL="3657600" indent="0" algn="ctr">
-              <a:buNone/>
-              <a:defRPr sz="1600"/>
-            </a:lvl9pPr>
           </a:lstStyle>
           <a:p>
             <a:r>
               <a:rPr lang="en-US"/>
               <a:t>Click to edit Master subtitle style</a:t>
             </a:r>
-            <a:endParaRPr lang="en-CA"/>
+            <a:endParaRPr lang="en-US" dirty="0"/>
           </a:p>
         </p:txBody>
       </p:sp>
     </p:spTree>
     <p:extLst>
       <p:ext uri="{BB962C8B-B14F-4D97-AF65-F5344CB8AC3E}">
-        <p14:creationId xmlns:p14="http://schemas.microsoft.com/office/powerpoint/2010/main" val="1898934703"/>
+        <p14:creationId xmlns:p14="http://schemas.microsoft.com/office/powerpoint/2010/main" val="3158543739"/>
       </p:ext>
     </p:extLst>
   </p:cSld>
@@ -408,6 +371,9 @@
           <a:bodyPr/>
           <a:lstStyle>
             <a:lvl1pPr>
+              <a:buClr>
+                <a:schemeClr val="accent2"/>
+              </a:buClr>
               <a:defRPr>
                 <a:solidFill>
                   <a:srgbClr val="444445"/>
@@ -415,6 +381,9 @@
               </a:defRPr>
             </a:lvl1pPr>
             <a:lvl2pPr>
+              <a:buClr>
+                <a:schemeClr val="accent2"/>
+              </a:buClr>
               <a:defRPr>
                 <a:solidFill>
                   <a:srgbClr val="444445"/>
@@ -422,6 +391,9 @@
               </a:defRPr>
             </a:lvl2pPr>
             <a:lvl3pPr>
+              <a:buClr>
+                <a:schemeClr val="accent2"/>
+              </a:buClr>
               <a:defRPr>
                 <a:solidFill>
                   <a:srgbClr val="444445"/>
@@ -429,6 +401,9 @@
               </a:defRPr>
             </a:lvl3pPr>
             <a:lvl4pPr>
+              <a:buClr>
+                <a:schemeClr val="accent2"/>
+              </a:buClr>
               <a:defRPr>
                 <a:solidFill>
                   <a:srgbClr val="444445"/>
@@ -436,6 +411,9 @@
               </a:defRPr>
             </a:lvl4pPr>
             <a:lvl5pPr>
+              <a:buClr>
+                <a:schemeClr val="accent2"/>
+              </a:buClr>
               <a:defRPr>
                 <a:solidFill>
                   <a:srgbClr val="444445"/>
@@ -447,7 +425,7 @@
             <a:pPr lvl="0"/>
             <a:r>
               <a:rPr lang="en-US"/>
-              <a:t>Edit Master text styles</a:t>
+              <a:t>Click to edit Master text styles</a:t>
             </a:r>
           </a:p>
           <a:p>
@@ -477,14 +455,14 @@
               <a:rPr lang="en-US"/>
               <a:t>Fifth level</a:t>
             </a:r>
-            <a:endParaRPr lang="en-CA"/>
+            <a:endParaRPr lang="en-CA" dirty="0"/>
           </a:p>
         </p:txBody>
       </p:sp>
     </p:spTree>
     <p:extLst>
       <p:ext uri="{BB962C8B-B14F-4D97-AF65-F5344CB8AC3E}">
-        <p14:creationId xmlns:p14="http://schemas.microsoft.com/office/powerpoint/2010/main" val="3979519265"/>
+        <p14:creationId xmlns:p14="http://schemas.microsoft.com/office/powerpoint/2010/main" val="4171618008"/>
       </p:ext>
     </p:extLst>
   </p:cSld>
@@ -591,6 +569,9 @@
           <a:bodyPr/>
           <a:lstStyle>
             <a:lvl1pPr>
+              <a:buClr>
+                <a:schemeClr val="accent6"/>
+              </a:buClr>
               <a:defRPr>
                 <a:solidFill>
                   <a:srgbClr val="FFFFFF"/>
@@ -598,6 +579,9 @@
               </a:defRPr>
             </a:lvl1pPr>
             <a:lvl2pPr>
+              <a:buClr>
+                <a:schemeClr val="accent6"/>
+              </a:buClr>
               <a:defRPr>
                 <a:solidFill>
                   <a:srgbClr val="FFFFFF"/>
@@ -605,6 +589,9 @@
               </a:defRPr>
             </a:lvl2pPr>
             <a:lvl3pPr>
+              <a:buClr>
+                <a:schemeClr val="accent6"/>
+              </a:buClr>
               <a:defRPr>
                 <a:solidFill>
                   <a:srgbClr val="FFFFFF"/>
@@ -612,6 +599,9 @@
               </a:defRPr>
             </a:lvl3pPr>
             <a:lvl4pPr>
+              <a:buClr>
+                <a:schemeClr val="accent6"/>
+              </a:buClr>
               <a:defRPr>
                 <a:solidFill>
                   <a:srgbClr val="FFFFFF"/>
@@ -619,6 +609,9 @@
               </a:defRPr>
             </a:lvl4pPr>
             <a:lvl5pPr>
+              <a:buClr>
+                <a:schemeClr val="accent6"/>
+              </a:buClr>
               <a:defRPr>
                 <a:solidFill>
                   <a:srgbClr val="FFFFFF"/>
@@ -630,7 +623,7 @@
             <a:pPr lvl="0"/>
             <a:r>
               <a:rPr lang="en-US"/>
-              <a:t>Edit Master text styles</a:t>
+              <a:t>Click to edit Master text styles</a:t>
             </a:r>
           </a:p>
           <a:p>
@@ -667,7 +660,7 @@
     </p:spTree>
     <p:extLst>
       <p:ext uri="{BB962C8B-B14F-4D97-AF65-F5344CB8AC3E}">
-        <p14:creationId xmlns:p14="http://schemas.microsoft.com/office/powerpoint/2010/main" val="309569737"/>
+        <p14:creationId xmlns:p14="http://schemas.microsoft.com/office/powerpoint/2010/main" val="730885787"/>
       </p:ext>
     </p:extLst>
   </p:cSld>
@@ -775,7 +768,7 @@
           <a:lstStyle>
             <a:lvl1pPr>
               <a:buClr>
-                <a:schemeClr val="tx1"/>
+                <a:schemeClr val="accent6"/>
               </a:buClr>
               <a:defRPr>
                 <a:solidFill>
@@ -785,7 +778,7 @@
             </a:lvl1pPr>
             <a:lvl2pPr>
               <a:buClr>
-                <a:schemeClr val="tx1"/>
+                <a:schemeClr val="accent6"/>
               </a:buClr>
               <a:defRPr>
                 <a:solidFill>
@@ -795,7 +788,7 @@
             </a:lvl2pPr>
             <a:lvl3pPr>
               <a:buClr>
-                <a:schemeClr val="tx1"/>
+                <a:schemeClr val="accent6"/>
               </a:buClr>
               <a:defRPr>
                 <a:solidFill>
@@ -805,7 +798,7 @@
             </a:lvl3pPr>
             <a:lvl4pPr>
               <a:buClr>
-                <a:schemeClr val="tx1"/>
+                <a:schemeClr val="accent6"/>
               </a:buClr>
               <a:defRPr>
                 <a:solidFill>
@@ -815,7 +808,7 @@
             </a:lvl4pPr>
             <a:lvl5pPr>
               <a:buClr>
-                <a:schemeClr val="tx1"/>
+                <a:schemeClr val="accent6"/>
               </a:buClr>
               <a:defRPr>
                 <a:solidFill>
@@ -828,7 +821,7 @@
             <a:pPr lvl="0"/>
             <a:r>
               <a:rPr lang="en-US"/>
-              <a:t>Edit Master text styles</a:t>
+              <a:t>Click to edit Master text styles</a:t>
             </a:r>
           </a:p>
           <a:p>
@@ -865,7 +858,7 @@
     </p:spTree>
     <p:extLst>
       <p:ext uri="{BB962C8B-B14F-4D97-AF65-F5344CB8AC3E}">
-        <p14:creationId xmlns:p14="http://schemas.microsoft.com/office/powerpoint/2010/main" val="4017234516"/>
+        <p14:creationId xmlns:p14="http://schemas.microsoft.com/office/powerpoint/2010/main" val="2999660883"/>
       </p:ext>
     </p:extLst>
   </p:cSld>
@@ -875,13 +868,13 @@
 </p:sldLayout>
 </file>
 
-<file path=ppt/slideMasters/slideMaster1.xml><?xml version="1.0" encoding="utf-8"?>
-<p:sldMaster xmlns:a="http://schemas.openxmlformats.org/drawingml/2006/main" xmlns:r="http://schemas.openxmlformats.org/officeDocument/2006/relationships" xmlns:p="http://schemas.openxmlformats.org/presentationml/2006/main">
-  <p:cSld>
+<file path=ppt/slideLayouts/slideLayout5.xml><?xml version="1.0" encoding="utf-8"?>
+<p:sldLayout xmlns:a="http://schemas.openxmlformats.org/drawingml/2006/main" xmlns:r="http://schemas.openxmlformats.org/officeDocument/2006/relationships" xmlns:p="http://schemas.openxmlformats.org/presentationml/2006/main" type="obj" preserve="1">
+  <p:cSld name="4_Title and Content">
     <p:bg>
       <p:bgPr>
         <a:blipFill dpi="0" rotWithShape="1">
-          <a:blip r:embed="rId6">
+          <a:blip r:embed="rId2">
             <a:lum/>
           </a:blip>
           <a:srcRect/>
@@ -908,6 +901,600 @@
       </p:grpSpPr>
       <p:sp>
         <p:nvSpPr>
+          <p:cNvPr id="2" name="Title 1">
+            <a:extLst>
+              <a:ext uri="{FF2B5EF4-FFF2-40B4-BE49-F238E27FC236}">
+                <a16:creationId xmlns:a16="http://schemas.microsoft.com/office/drawing/2014/main" id="{0ECBFABF-0FF7-46A7-A3E7-B6C1EFC20E36}"/>
+              </a:ext>
+            </a:extLst>
+          </p:cNvPr>
+          <p:cNvSpPr>
+            <a:spLocks noGrp="1"/>
+          </p:cNvSpPr>
+          <p:nvPr>
+            <p:ph type="title"/>
+          </p:nvPr>
+        </p:nvSpPr>
+        <p:spPr/>
+        <p:txBody>
+          <a:bodyPr/>
+          <a:lstStyle>
+            <a:lvl1pPr>
+              <a:defRPr>
+                <a:solidFill>
+                  <a:srgbClr val="171717"/>
+                </a:solidFill>
+              </a:defRPr>
+            </a:lvl1pPr>
+          </a:lstStyle>
+          <a:p>
+            <a:r>
+              <a:rPr lang="en-US"/>
+              <a:t>Click to edit Master title style</a:t>
+            </a:r>
+            <a:endParaRPr lang="en-CA"/>
+          </a:p>
+        </p:txBody>
+      </p:sp>
+      <p:sp>
+        <p:nvSpPr>
+          <p:cNvPr id="3" name="Content Placeholder 2">
+            <a:extLst>
+              <a:ext uri="{FF2B5EF4-FFF2-40B4-BE49-F238E27FC236}">
+                <a16:creationId xmlns:a16="http://schemas.microsoft.com/office/drawing/2014/main" id="{85D1B3E0-28C0-49B4-B789-CFB199546EE9}"/>
+              </a:ext>
+            </a:extLst>
+          </p:cNvPr>
+          <p:cNvSpPr>
+            <a:spLocks noGrp="1"/>
+          </p:cNvSpPr>
+          <p:nvPr>
+            <p:ph idx="1"/>
+          </p:nvPr>
+        </p:nvSpPr>
+        <p:spPr>
+          <a:xfrm>
+            <a:off x="838200" y="1825624"/>
+            <a:ext cx="10515600" cy="4835479"/>
+          </a:xfrm>
+          <a:prstGeom prst="rect">
+            <a:avLst/>
+          </a:prstGeom>
+        </p:spPr>
+        <p:txBody>
+          <a:bodyPr/>
+          <a:lstStyle>
+            <a:lvl1pPr>
+              <a:buClr>
+                <a:schemeClr val="accent2"/>
+              </a:buClr>
+              <a:defRPr>
+                <a:solidFill>
+                  <a:srgbClr val="171717"/>
+                </a:solidFill>
+              </a:defRPr>
+            </a:lvl1pPr>
+            <a:lvl2pPr>
+              <a:buClr>
+                <a:schemeClr val="accent2"/>
+              </a:buClr>
+              <a:defRPr>
+                <a:solidFill>
+                  <a:srgbClr val="171717"/>
+                </a:solidFill>
+              </a:defRPr>
+            </a:lvl2pPr>
+            <a:lvl3pPr>
+              <a:buClr>
+                <a:schemeClr val="accent2"/>
+              </a:buClr>
+              <a:defRPr>
+                <a:solidFill>
+                  <a:srgbClr val="171717"/>
+                </a:solidFill>
+              </a:defRPr>
+            </a:lvl3pPr>
+            <a:lvl4pPr>
+              <a:buClr>
+                <a:schemeClr val="accent2"/>
+              </a:buClr>
+              <a:defRPr>
+                <a:solidFill>
+                  <a:srgbClr val="171717"/>
+                </a:solidFill>
+              </a:defRPr>
+            </a:lvl4pPr>
+            <a:lvl5pPr>
+              <a:buClr>
+                <a:schemeClr val="accent2"/>
+              </a:buClr>
+              <a:defRPr>
+                <a:solidFill>
+                  <a:srgbClr val="171717"/>
+                </a:solidFill>
+              </a:defRPr>
+            </a:lvl5pPr>
+          </a:lstStyle>
+          <a:p>
+            <a:pPr lvl="0"/>
+            <a:r>
+              <a:rPr lang="en-US"/>
+              <a:t>Click to edit Master text styles</a:t>
+            </a:r>
+          </a:p>
+          <a:p>
+            <a:pPr lvl="1"/>
+            <a:r>
+              <a:rPr lang="en-US"/>
+              <a:t>Second level</a:t>
+            </a:r>
+          </a:p>
+          <a:p>
+            <a:pPr lvl="2"/>
+            <a:r>
+              <a:rPr lang="en-US"/>
+              <a:t>Third level</a:t>
+            </a:r>
+          </a:p>
+          <a:p>
+            <a:pPr lvl="3"/>
+            <a:r>
+              <a:rPr lang="en-US"/>
+              <a:t>Fourth level</a:t>
+            </a:r>
+          </a:p>
+          <a:p>
+            <a:pPr lvl="4"/>
+            <a:r>
+              <a:rPr lang="en-US"/>
+              <a:t>Fifth level</a:t>
+            </a:r>
+            <a:endParaRPr lang="en-CA" dirty="0"/>
+          </a:p>
+        </p:txBody>
+      </p:sp>
+    </p:spTree>
+    <p:extLst>
+      <p:ext uri="{BB962C8B-B14F-4D97-AF65-F5344CB8AC3E}">
+        <p14:creationId xmlns:p14="http://schemas.microsoft.com/office/powerpoint/2010/main" val="48972176"/>
+      </p:ext>
+    </p:extLst>
+  </p:cSld>
+  <p:clrMapOvr>
+    <a:masterClrMapping/>
+  </p:clrMapOvr>
+</p:sldLayout>
+</file>
+
+<file path=ppt/slideLayouts/slideLayout6.xml><?xml version="1.0" encoding="utf-8"?>
+<p:sldLayout xmlns:a="http://schemas.openxmlformats.org/drawingml/2006/main" xmlns:r="http://schemas.openxmlformats.org/officeDocument/2006/relationships" xmlns:p="http://schemas.openxmlformats.org/presentationml/2006/main" type="obj" preserve="1">
+  <p:cSld name="5_Title and Content">
+    <p:bg>
+      <p:bgPr>
+        <a:blipFill dpi="0" rotWithShape="1">
+          <a:blip r:embed="rId2">
+            <a:lum/>
+          </a:blip>
+          <a:srcRect/>
+          <a:stretch>
+            <a:fillRect/>
+          </a:stretch>
+        </a:blipFill>
+        <a:effectLst/>
+      </p:bgPr>
+    </p:bg>
+    <p:spTree>
+      <p:nvGrpSpPr>
+        <p:cNvPr id="1" name=""/>
+        <p:cNvGrpSpPr/>
+        <p:nvPr/>
+      </p:nvGrpSpPr>
+      <p:grpSpPr>
+        <a:xfrm>
+          <a:off x="0" y="0"/>
+          <a:ext cx="0" cy="0"/>
+          <a:chOff x="0" y="0"/>
+          <a:chExt cx="0" cy="0"/>
+        </a:xfrm>
+      </p:grpSpPr>
+      <p:sp>
+        <p:nvSpPr>
+          <p:cNvPr id="2" name="Title 1">
+            <a:extLst>
+              <a:ext uri="{FF2B5EF4-FFF2-40B4-BE49-F238E27FC236}">
+                <a16:creationId xmlns:a16="http://schemas.microsoft.com/office/drawing/2014/main" id="{0ECBFABF-0FF7-46A7-A3E7-B6C1EFC20E36}"/>
+              </a:ext>
+            </a:extLst>
+          </p:cNvPr>
+          <p:cNvSpPr>
+            <a:spLocks noGrp="1"/>
+          </p:cNvSpPr>
+          <p:nvPr>
+            <p:ph type="title"/>
+          </p:nvPr>
+        </p:nvSpPr>
+        <p:spPr/>
+        <p:txBody>
+          <a:bodyPr/>
+          <a:lstStyle>
+            <a:lvl1pPr>
+              <a:defRPr>
+                <a:solidFill>
+                  <a:schemeClr val="tx1"/>
+                </a:solidFill>
+              </a:defRPr>
+            </a:lvl1pPr>
+          </a:lstStyle>
+          <a:p>
+            <a:r>
+              <a:rPr lang="en-US"/>
+              <a:t>Click to edit Master title style</a:t>
+            </a:r>
+            <a:endParaRPr lang="en-CA"/>
+          </a:p>
+        </p:txBody>
+      </p:sp>
+      <p:sp>
+        <p:nvSpPr>
+          <p:cNvPr id="3" name="Content Placeholder 2">
+            <a:extLst>
+              <a:ext uri="{FF2B5EF4-FFF2-40B4-BE49-F238E27FC236}">
+                <a16:creationId xmlns:a16="http://schemas.microsoft.com/office/drawing/2014/main" id="{85D1B3E0-28C0-49B4-B789-CFB199546EE9}"/>
+              </a:ext>
+            </a:extLst>
+          </p:cNvPr>
+          <p:cNvSpPr>
+            <a:spLocks noGrp="1"/>
+          </p:cNvSpPr>
+          <p:nvPr>
+            <p:ph idx="1"/>
+          </p:nvPr>
+        </p:nvSpPr>
+        <p:spPr>
+          <a:xfrm>
+            <a:off x="838200" y="1825624"/>
+            <a:ext cx="10515600" cy="4835479"/>
+          </a:xfrm>
+          <a:prstGeom prst="rect">
+            <a:avLst/>
+          </a:prstGeom>
+        </p:spPr>
+        <p:txBody>
+          <a:bodyPr/>
+          <a:lstStyle>
+            <a:lvl1pPr>
+              <a:buClr>
+                <a:schemeClr val="accent2"/>
+              </a:buClr>
+              <a:defRPr>
+                <a:solidFill>
+                  <a:schemeClr val="tx1"/>
+                </a:solidFill>
+              </a:defRPr>
+            </a:lvl1pPr>
+            <a:lvl2pPr>
+              <a:buClr>
+                <a:schemeClr val="accent2"/>
+              </a:buClr>
+              <a:defRPr>
+                <a:solidFill>
+                  <a:schemeClr val="tx1"/>
+                </a:solidFill>
+              </a:defRPr>
+            </a:lvl2pPr>
+            <a:lvl3pPr>
+              <a:buClr>
+                <a:schemeClr val="accent2"/>
+              </a:buClr>
+              <a:defRPr>
+                <a:solidFill>
+                  <a:schemeClr val="tx1"/>
+                </a:solidFill>
+              </a:defRPr>
+            </a:lvl3pPr>
+            <a:lvl4pPr>
+              <a:buClr>
+                <a:schemeClr val="accent2"/>
+              </a:buClr>
+              <a:defRPr>
+                <a:solidFill>
+                  <a:schemeClr val="tx1"/>
+                </a:solidFill>
+              </a:defRPr>
+            </a:lvl4pPr>
+            <a:lvl5pPr>
+              <a:buClr>
+                <a:schemeClr val="accent2"/>
+              </a:buClr>
+              <a:defRPr>
+                <a:solidFill>
+                  <a:schemeClr val="tx1"/>
+                </a:solidFill>
+              </a:defRPr>
+            </a:lvl5pPr>
+          </a:lstStyle>
+          <a:p>
+            <a:pPr lvl="0"/>
+            <a:r>
+              <a:rPr lang="en-US"/>
+              <a:t>Click to edit Master text styles</a:t>
+            </a:r>
+          </a:p>
+          <a:p>
+            <a:pPr lvl="1"/>
+            <a:r>
+              <a:rPr lang="en-US"/>
+              <a:t>Second level</a:t>
+            </a:r>
+          </a:p>
+          <a:p>
+            <a:pPr lvl="2"/>
+            <a:r>
+              <a:rPr lang="en-US"/>
+              <a:t>Third level</a:t>
+            </a:r>
+          </a:p>
+          <a:p>
+            <a:pPr lvl="3"/>
+            <a:r>
+              <a:rPr lang="en-US"/>
+              <a:t>Fourth level</a:t>
+            </a:r>
+          </a:p>
+          <a:p>
+            <a:pPr lvl="4"/>
+            <a:r>
+              <a:rPr lang="en-US"/>
+              <a:t>Fifth level</a:t>
+            </a:r>
+            <a:endParaRPr lang="en-CA" dirty="0"/>
+          </a:p>
+        </p:txBody>
+      </p:sp>
+    </p:spTree>
+    <p:extLst>
+      <p:ext uri="{BB962C8B-B14F-4D97-AF65-F5344CB8AC3E}">
+        <p14:creationId xmlns:p14="http://schemas.microsoft.com/office/powerpoint/2010/main" val="2240365681"/>
+      </p:ext>
+    </p:extLst>
+  </p:cSld>
+  <p:clrMapOvr>
+    <a:masterClrMapping/>
+  </p:clrMapOvr>
+</p:sldLayout>
+</file>
+
+<file path=ppt/slideLayouts/slideLayout7.xml><?xml version="1.0" encoding="utf-8"?>
+<p:sldLayout xmlns:a="http://schemas.openxmlformats.org/drawingml/2006/main" xmlns:r="http://schemas.openxmlformats.org/officeDocument/2006/relationships" xmlns:p="http://schemas.openxmlformats.org/presentationml/2006/main" type="obj" preserve="1">
+  <p:cSld name="6_Title and Content">
+    <p:bg>
+      <p:bgPr>
+        <a:blipFill dpi="0" rotWithShape="1">
+          <a:blip r:embed="rId2">
+            <a:lum/>
+          </a:blip>
+          <a:srcRect/>
+          <a:stretch>
+            <a:fillRect/>
+          </a:stretch>
+        </a:blipFill>
+        <a:effectLst/>
+      </p:bgPr>
+    </p:bg>
+    <p:spTree>
+      <p:nvGrpSpPr>
+        <p:cNvPr id="1" name=""/>
+        <p:cNvGrpSpPr/>
+        <p:nvPr/>
+      </p:nvGrpSpPr>
+      <p:grpSpPr>
+        <a:xfrm>
+          <a:off x="0" y="0"/>
+          <a:ext cx="0" cy="0"/>
+          <a:chOff x="0" y="0"/>
+          <a:chExt cx="0" cy="0"/>
+        </a:xfrm>
+      </p:grpSpPr>
+      <p:sp>
+        <p:nvSpPr>
+          <p:cNvPr id="2" name="Title 1">
+            <a:extLst>
+              <a:ext uri="{FF2B5EF4-FFF2-40B4-BE49-F238E27FC236}">
+                <a16:creationId xmlns:a16="http://schemas.microsoft.com/office/drawing/2014/main" id="{0ECBFABF-0FF7-46A7-A3E7-B6C1EFC20E36}"/>
+              </a:ext>
+            </a:extLst>
+          </p:cNvPr>
+          <p:cNvSpPr>
+            <a:spLocks noGrp="1"/>
+          </p:cNvSpPr>
+          <p:nvPr>
+            <p:ph type="title"/>
+          </p:nvPr>
+        </p:nvSpPr>
+        <p:spPr/>
+        <p:txBody>
+          <a:bodyPr/>
+          <a:lstStyle>
+            <a:lvl1pPr>
+              <a:defRPr>
+                <a:solidFill>
+                  <a:srgbClr val="FFFFFF"/>
+                </a:solidFill>
+              </a:defRPr>
+            </a:lvl1pPr>
+          </a:lstStyle>
+          <a:p>
+            <a:r>
+              <a:rPr lang="en-US"/>
+              <a:t>Click to edit Master title style</a:t>
+            </a:r>
+            <a:endParaRPr lang="en-CA"/>
+          </a:p>
+        </p:txBody>
+      </p:sp>
+      <p:sp>
+        <p:nvSpPr>
+          <p:cNvPr id="3" name="Content Placeholder 2">
+            <a:extLst>
+              <a:ext uri="{FF2B5EF4-FFF2-40B4-BE49-F238E27FC236}">
+                <a16:creationId xmlns:a16="http://schemas.microsoft.com/office/drawing/2014/main" id="{85D1B3E0-28C0-49B4-B789-CFB199546EE9}"/>
+              </a:ext>
+            </a:extLst>
+          </p:cNvPr>
+          <p:cNvSpPr>
+            <a:spLocks noGrp="1"/>
+          </p:cNvSpPr>
+          <p:nvPr>
+            <p:ph idx="1"/>
+          </p:nvPr>
+        </p:nvSpPr>
+        <p:spPr>
+          <a:xfrm>
+            <a:off x="838200" y="1825624"/>
+            <a:ext cx="10515600" cy="4835479"/>
+          </a:xfrm>
+          <a:prstGeom prst="rect">
+            <a:avLst/>
+          </a:prstGeom>
+        </p:spPr>
+        <p:txBody>
+          <a:bodyPr/>
+          <a:lstStyle>
+            <a:lvl1pPr>
+              <a:buClr>
+                <a:schemeClr val="accent2"/>
+              </a:buClr>
+              <a:defRPr>
+                <a:solidFill>
+                  <a:srgbClr val="FFFFFF"/>
+                </a:solidFill>
+              </a:defRPr>
+            </a:lvl1pPr>
+            <a:lvl2pPr>
+              <a:buClr>
+                <a:schemeClr val="accent2"/>
+              </a:buClr>
+              <a:defRPr>
+                <a:solidFill>
+                  <a:srgbClr val="FFFFFF"/>
+                </a:solidFill>
+              </a:defRPr>
+            </a:lvl2pPr>
+            <a:lvl3pPr>
+              <a:buClr>
+                <a:schemeClr val="accent2"/>
+              </a:buClr>
+              <a:defRPr>
+                <a:solidFill>
+                  <a:srgbClr val="FFFFFF"/>
+                </a:solidFill>
+              </a:defRPr>
+            </a:lvl3pPr>
+            <a:lvl4pPr>
+              <a:buClr>
+                <a:schemeClr val="accent2"/>
+              </a:buClr>
+              <a:defRPr>
+                <a:solidFill>
+                  <a:srgbClr val="FFFFFF"/>
+                </a:solidFill>
+              </a:defRPr>
+            </a:lvl4pPr>
+            <a:lvl5pPr>
+              <a:buClr>
+                <a:schemeClr val="accent2"/>
+              </a:buClr>
+              <a:defRPr>
+                <a:solidFill>
+                  <a:srgbClr val="FFFFFF"/>
+                </a:solidFill>
+              </a:defRPr>
+            </a:lvl5pPr>
+          </a:lstStyle>
+          <a:p>
+            <a:pPr lvl="0"/>
+            <a:r>
+              <a:rPr lang="en-US"/>
+              <a:t>Click to edit Master text styles</a:t>
+            </a:r>
+          </a:p>
+          <a:p>
+            <a:pPr lvl="1"/>
+            <a:r>
+              <a:rPr lang="en-US"/>
+              <a:t>Second level</a:t>
+            </a:r>
+          </a:p>
+          <a:p>
+            <a:pPr lvl="2"/>
+            <a:r>
+              <a:rPr lang="en-US"/>
+              <a:t>Third level</a:t>
+            </a:r>
+          </a:p>
+          <a:p>
+            <a:pPr lvl="3"/>
+            <a:r>
+              <a:rPr lang="en-US"/>
+              <a:t>Fourth level</a:t>
+            </a:r>
+          </a:p>
+          <a:p>
+            <a:pPr lvl="4"/>
+            <a:r>
+              <a:rPr lang="en-US"/>
+              <a:t>Fifth level</a:t>
+            </a:r>
+            <a:endParaRPr lang="en-CA" dirty="0"/>
+          </a:p>
+        </p:txBody>
+      </p:sp>
+    </p:spTree>
+    <p:extLst>
+      <p:ext uri="{BB962C8B-B14F-4D97-AF65-F5344CB8AC3E}">
+        <p14:creationId xmlns:p14="http://schemas.microsoft.com/office/powerpoint/2010/main" val="2123078040"/>
+      </p:ext>
+    </p:extLst>
+  </p:cSld>
+  <p:clrMapOvr>
+    <a:masterClrMapping/>
+  </p:clrMapOvr>
+</p:sldLayout>
+</file>
+
+<file path=ppt/slideMasters/slideMaster1.xml><?xml version="1.0" encoding="utf-8"?>
+<p:sldMaster xmlns:a="http://schemas.openxmlformats.org/drawingml/2006/main" xmlns:r="http://schemas.openxmlformats.org/officeDocument/2006/relationships" xmlns:p="http://schemas.openxmlformats.org/presentationml/2006/main">
+  <p:cSld>
+    <p:bg>
+      <p:bgPr>
+        <a:blipFill dpi="0" rotWithShape="1">
+          <a:blip r:embed="rId9">
+            <a:lum/>
+          </a:blip>
+          <a:srcRect/>
+          <a:stretch>
+            <a:fillRect/>
+          </a:stretch>
+        </a:blipFill>
+        <a:effectLst/>
+      </p:bgPr>
+    </p:bg>
+    <p:spTree>
+      <p:nvGrpSpPr>
+        <p:cNvPr id="1" name=""/>
+        <p:cNvGrpSpPr/>
+        <p:nvPr/>
+      </p:nvGrpSpPr>
+      <p:grpSpPr>
+        <a:xfrm>
+          <a:off x="0" y="0"/>
+          <a:ext cx="0" cy="0"/>
+          <a:chOff x="0" y="0"/>
+          <a:chExt cx="0" cy="0"/>
+        </a:xfrm>
+      </p:grpSpPr>
+      <p:sp>
+        <p:nvSpPr>
           <p:cNvPr id="2" name="Title Placeholder 1">
             <a:extLst>
               <a:ext uri="{FF2B5EF4-FFF2-40B4-BE49-F238E27FC236}">
@@ -979,7 +1566,7 @@
             <a:pPr lvl="0"/>
             <a:r>
               <a:rPr lang="en-US"/>
-              <a:t>Edit Master text styles</a:t>
+              <a:t>Click to edit Master text styles</a:t>
             </a:r>
           </a:p>
           <a:p>
@@ -1016,16 +1603,19 @@
     </p:spTree>
     <p:extLst>
       <p:ext uri="{BB962C8B-B14F-4D97-AF65-F5344CB8AC3E}">
-        <p14:creationId xmlns:p14="http://schemas.microsoft.com/office/powerpoint/2010/main" val="2325685743"/>
+        <p14:creationId xmlns:p14="http://schemas.microsoft.com/office/powerpoint/2010/main" val="3572534501"/>
       </p:ext>
     </p:extLst>
   </p:cSld>
   <p:clrMap bg1="lt1" tx1="dk1" bg2="lt2" tx2="dk2" accent1="accent1" accent2="accent2" accent3="accent3" accent4="accent4" accent5="accent5" accent6="accent6" hlink="hlink" folHlink="folHlink"/>
   <p:sldLayoutIdLst>
-    <p:sldLayoutId id="2147483666" r:id="rId1"/>
-    <p:sldLayoutId id="2147483667" r:id="rId2"/>
-    <p:sldLayoutId id="2147483668" r:id="rId3"/>
-    <p:sldLayoutId id="2147483669" r:id="rId4"/>
+    <p:sldLayoutId id="2147483671" r:id="rId1"/>
+    <p:sldLayoutId id="2147483672" r:id="rId2"/>
+    <p:sldLayoutId id="2147483673" r:id="rId3"/>
+    <p:sldLayoutId id="2147483674" r:id="rId4"/>
+    <p:sldLayoutId id="2147483675" r:id="rId5"/>
+    <p:sldLayoutId id="2147483676" r:id="rId6"/>
+    <p:sldLayoutId id="2147483677" r:id="rId7"/>
   </p:sldLayoutIdLst>
   <p:txStyles>
     <p:titleStyle>
@@ -1484,6 +2074,155 @@
           </a:p>
         </p:txBody>
       </p:sp>
+      <p:sp>
+        <p:nvSpPr>
+          <p:cNvPr id="4" name="TextBox 3">
+            <a:extLst>
+              <a:ext uri="{FF2B5EF4-FFF2-40B4-BE49-F238E27FC236}">
+                <a16:creationId xmlns:a16="http://schemas.microsoft.com/office/drawing/2014/main" id="{C208708D-3E86-1CEF-37CF-22281345D474}"/>
+              </a:ext>
+            </a:extLst>
+          </p:cNvPr>
+          <p:cNvSpPr txBox="1"/>
+          <p:nvPr/>
+        </p:nvSpPr>
+        <p:spPr>
+          <a:xfrm>
+            <a:off x="335947" y="5102715"/>
+            <a:ext cx="6619392" cy="1323439"/>
+          </a:xfrm>
+          <a:prstGeom prst="rect">
+            <a:avLst/>
+          </a:prstGeom>
+          <a:noFill/>
+        </p:spPr>
+        <p:txBody>
+          <a:bodyPr wrap="square" rtlCol="0">
+            <a:spAutoFit/>
+          </a:bodyPr>
+          <a:lstStyle/>
+          <a:p>
+            <a:r>
+              <a:rPr lang="en-US" sz="1600" b="1" dirty="0">
+                <a:solidFill>
+                  <a:srgbClr val="CC99FF"/>
+                </a:solidFill>
+              </a:rPr>
+              <a:t>Upcoming</a:t>
+            </a:r>
+          </a:p>
+          <a:p>
+            <a:pPr marL="285750" indent="-285750">
+              <a:buClr>
+                <a:srgbClr val="CC99FF"/>
+              </a:buClr>
+              <a:buFont typeface="Wingdings" panose="05000000000000000000" pitchFamily="2" charset="2"/>
+              <a:buChar char="§"/>
+            </a:pPr>
+            <a:r>
+              <a:rPr lang="en-US" sz="1600" dirty="0">
+                <a:solidFill>
+                  <a:srgbClr val="66FF99"/>
+                </a:solidFill>
+              </a:rPr>
+              <a:t>Lab 3 Due 11:59 pm Friday</a:t>
+            </a:r>
+            <a:r>
+              <a:rPr lang="en-US" sz="1600" dirty="0">
+                <a:solidFill>
+                  <a:srgbClr val="CC99FF"/>
+                </a:solidFill>
+              </a:rPr>
+              <a:t>.</a:t>
+            </a:r>
+          </a:p>
+          <a:p>
+            <a:pPr marL="285750" indent="-285750">
+              <a:buClr>
+                <a:srgbClr val="CC99FF"/>
+              </a:buClr>
+              <a:buFont typeface="Wingdings" panose="05000000000000000000" pitchFamily="2" charset="2"/>
+              <a:buChar char="§"/>
+            </a:pPr>
+            <a:r>
+              <a:rPr lang="en-US" sz="1600" dirty="0">
+                <a:solidFill>
+                  <a:srgbClr val="66FF99"/>
+                </a:solidFill>
+              </a:rPr>
+              <a:t>Lab 4 released 6:00 pm Thursday</a:t>
+            </a:r>
+            <a:r>
+              <a:rPr lang="en-US" sz="1600" dirty="0">
+                <a:solidFill>
+                  <a:srgbClr val="CC99FF"/>
+                </a:solidFill>
+              </a:rPr>
+              <a:t>.</a:t>
+            </a:r>
+            <a:endParaRPr lang="en-US" sz="1600" dirty="0">
+              <a:solidFill>
+                <a:srgbClr val="66FF99"/>
+              </a:solidFill>
+            </a:endParaRPr>
+          </a:p>
+          <a:p>
+            <a:pPr marL="285750" indent="-285750">
+              <a:buClr>
+                <a:srgbClr val="CC99FF"/>
+              </a:buClr>
+              <a:buFont typeface="Wingdings" panose="05000000000000000000" pitchFamily="2" charset="2"/>
+              <a:buChar char="§"/>
+            </a:pPr>
+            <a:r>
+              <a:rPr lang="en-US" sz="1600" dirty="0">
+                <a:solidFill>
+                  <a:srgbClr val="66FF99"/>
+                </a:solidFill>
+              </a:rPr>
+              <a:t>Reflection 6 Released Friday 6:00 pm</a:t>
+            </a:r>
+            <a:r>
+              <a:rPr lang="en-US" sz="1600" dirty="0">
+                <a:solidFill>
+                  <a:srgbClr val="CC99FF"/>
+                </a:solidFill>
+              </a:rPr>
+              <a:t>.</a:t>
+            </a:r>
+            <a:endParaRPr lang="en-US" sz="1600" dirty="0">
+              <a:solidFill>
+                <a:srgbClr val="66FF99"/>
+              </a:solidFill>
+            </a:endParaRPr>
+          </a:p>
+          <a:p>
+            <a:pPr marL="285750" indent="-285750">
+              <a:buClr>
+                <a:srgbClr val="CC99FF"/>
+              </a:buClr>
+              <a:buFont typeface="Wingdings" panose="05000000000000000000" pitchFamily="2" charset="2"/>
+              <a:buChar char="§"/>
+            </a:pPr>
+            <a:r>
+              <a:rPr lang="en-US" sz="1600" dirty="0">
+                <a:solidFill>
+                  <a:srgbClr val="66FF99"/>
+                </a:solidFill>
+              </a:rPr>
+              <a:t>Tutorial (Online), Practical, Office Hour sessions running all week</a:t>
+            </a:r>
+            <a:r>
+              <a:rPr lang="en-US" sz="1600" dirty="0">
+                <a:solidFill>
+                  <a:srgbClr val="CC99FF"/>
+                </a:solidFill>
+              </a:rPr>
+              <a:t>.</a:t>
+            </a:r>
+          </a:p>
+        </p:txBody>
+      </p:sp>
     </p:spTree>
     <p:extLst>
       <p:ext uri="{BB962C8B-B14F-4D97-AF65-F5344CB8AC3E}">
@@ -2221,7 +2960,7 @@
             <a:r>
               <a:rPr lang="en-US" b="1" dirty="0">
                 <a:solidFill>
-                  <a:schemeClr val="bg1"/>
+                  <a:srgbClr val="2D2D2D"/>
                 </a:solidFill>
                 <a:latin typeface="Courier New" panose="02070309020205020404" pitchFamily="49" charset="0"/>
                 <a:cs typeface="Courier New" panose="02070309020205020404" pitchFamily="49" charset="0"/>
@@ -2233,7 +2972,7 @@
             <a:r>
               <a:rPr lang="en-US" b="1" dirty="0">
                 <a:solidFill>
-                  <a:schemeClr val="bg1"/>
+                  <a:srgbClr val="2D2D2D"/>
                 </a:solidFill>
                 <a:latin typeface="Courier New" panose="02070309020205020404" pitchFamily="49" charset="0"/>
                 <a:cs typeface="Courier New" panose="02070309020205020404" pitchFamily="49" charset="0"/>
@@ -2245,7 +2984,7 @@
             <a:r>
               <a:rPr lang="en-US" b="1" dirty="0">
                 <a:solidFill>
-                  <a:schemeClr val="bg1"/>
+                  <a:srgbClr val="2D2D2D"/>
                 </a:solidFill>
                 <a:latin typeface="Courier New" panose="02070309020205020404" pitchFamily="49" charset="0"/>
                 <a:cs typeface="Courier New" panose="02070309020205020404" pitchFamily="49" charset="0"/>
@@ -2257,7 +2996,7 @@
             <a:r>
               <a:rPr lang="en-US" b="1" dirty="0">
                 <a:solidFill>
-                  <a:schemeClr val="bg1"/>
+                  <a:srgbClr val="2D2D2D"/>
                 </a:solidFill>
                 <a:latin typeface="Courier New" panose="02070309020205020404" pitchFamily="49" charset="0"/>
                 <a:cs typeface="Courier New" panose="02070309020205020404" pitchFamily="49" charset="0"/>
@@ -2269,7 +3008,7 @@
             <a:r>
               <a:rPr lang="en-US" b="1" dirty="0">
                 <a:solidFill>
-                  <a:schemeClr val="bg1"/>
+                  <a:srgbClr val="2D2D2D"/>
                 </a:solidFill>
                 <a:latin typeface="Courier New" panose="02070309020205020404" pitchFamily="49" charset="0"/>
                 <a:cs typeface="Courier New" panose="02070309020205020404" pitchFamily="49" charset="0"/>
@@ -2281,7 +3020,7 @@
             <a:r>
               <a:rPr lang="en-US" b="1" dirty="0">
                 <a:solidFill>
-                  <a:schemeClr val="bg1"/>
+                  <a:srgbClr val="2D2D2D"/>
                 </a:solidFill>
                 <a:latin typeface="Courier New" panose="02070309020205020404" pitchFamily="49" charset="0"/>
                 <a:cs typeface="Courier New" panose="02070309020205020404" pitchFamily="49" charset="0"/>
@@ -2293,7 +3032,7 @@
             <a:r>
               <a:rPr lang="en-US" b="1" dirty="0">
                 <a:solidFill>
-                  <a:schemeClr val="bg1"/>
+                  <a:srgbClr val="2D2D2D"/>
                 </a:solidFill>
                 <a:latin typeface="Courier New" panose="02070309020205020404" pitchFamily="49" charset="0"/>
                 <a:cs typeface="Courier New" panose="02070309020205020404" pitchFamily="49" charset="0"/>
@@ -2305,7 +3044,7 @@
             <a:r>
               <a:rPr lang="en-US" b="1" dirty="0">
                 <a:solidFill>
-                  <a:schemeClr val="bg1"/>
+                  <a:srgbClr val="2D2D2D"/>
                 </a:solidFill>
                 <a:latin typeface="Courier New" panose="02070309020205020404" pitchFamily="49" charset="0"/>
                 <a:cs typeface="Courier New" panose="02070309020205020404" pitchFamily="49" charset="0"/>
@@ -2317,7 +3056,7 @@
             <a:r>
               <a:rPr lang="en-US" b="1" dirty="0">
                 <a:solidFill>
-                  <a:schemeClr val="bg1"/>
+                  <a:srgbClr val="2D2D2D"/>
                 </a:solidFill>
                 <a:latin typeface="Courier New" panose="02070309020205020404" pitchFamily="49" charset="0"/>
                 <a:cs typeface="Courier New" panose="02070309020205020404" pitchFamily="49" charset="0"/>
@@ -2329,7 +3068,7 @@
             <a:r>
               <a:rPr lang="en-US" b="1" dirty="0">
                 <a:solidFill>
-                  <a:schemeClr val="bg1"/>
+                  <a:srgbClr val="2D2D2D"/>
                 </a:solidFill>
                 <a:latin typeface="Courier New" panose="02070309020205020404" pitchFamily="49" charset="0"/>
                 <a:cs typeface="Courier New" panose="02070309020205020404" pitchFamily="49" charset="0"/>
@@ -3220,7 +3959,7 @@
             <a:r>
               <a:rPr lang="en-US" b="1" dirty="0">
                 <a:solidFill>
-                  <a:schemeClr val="bg1"/>
+                  <a:srgbClr val="2D2D2D"/>
                 </a:solidFill>
                 <a:latin typeface="Courier New" panose="02070309020205020404" pitchFamily="49" charset="0"/>
                 <a:cs typeface="Courier New" panose="02070309020205020404" pitchFamily="49" charset="0"/>
@@ -3232,7 +3971,7 @@
             <a:r>
               <a:rPr lang="en-US" b="1" dirty="0">
                 <a:solidFill>
-                  <a:schemeClr val="bg1"/>
+                  <a:srgbClr val="2D2D2D"/>
                 </a:solidFill>
                 <a:latin typeface="Courier New" panose="02070309020205020404" pitchFamily="49" charset="0"/>
                 <a:cs typeface="Courier New" panose="02070309020205020404" pitchFamily="49" charset="0"/>
@@ -3244,7 +3983,7 @@
             <a:r>
               <a:rPr lang="en-US" b="1" dirty="0">
                 <a:solidFill>
-                  <a:schemeClr val="bg1"/>
+                  <a:srgbClr val="2D2D2D"/>
                 </a:solidFill>
                 <a:latin typeface="Courier New" panose="02070309020205020404" pitchFamily="49" charset="0"/>
                 <a:cs typeface="Courier New" panose="02070309020205020404" pitchFamily="49" charset="0"/>
@@ -3256,7 +3995,7 @@
             <a:r>
               <a:rPr lang="en-US" b="1" dirty="0">
                 <a:solidFill>
-                  <a:schemeClr val="bg1"/>
+                  <a:srgbClr val="2D2D2D"/>
                 </a:solidFill>
                 <a:latin typeface="Courier New" panose="02070309020205020404" pitchFamily="49" charset="0"/>
                 <a:cs typeface="Courier New" panose="02070309020205020404" pitchFamily="49" charset="0"/>
@@ -3268,7 +4007,7 @@
             <a:r>
               <a:rPr lang="en-US" b="1" dirty="0">
                 <a:solidFill>
-                  <a:schemeClr val="bg1"/>
+                  <a:srgbClr val="2D2D2D"/>
                 </a:solidFill>
                 <a:latin typeface="Courier New" panose="02070309020205020404" pitchFamily="49" charset="0"/>
                 <a:cs typeface="Courier New" panose="02070309020205020404" pitchFamily="49" charset="0"/>
@@ -3280,7 +4019,7 @@
             <a:r>
               <a:rPr lang="en-US" b="1" dirty="0">
                 <a:solidFill>
-                  <a:schemeClr val="bg1"/>
+                  <a:srgbClr val="2D2D2D"/>
                 </a:solidFill>
                 <a:latin typeface="Courier New" panose="02070309020205020404" pitchFamily="49" charset="0"/>
                 <a:cs typeface="Courier New" panose="02070309020205020404" pitchFamily="49" charset="0"/>
@@ -3292,7 +4031,7 @@
             <a:r>
               <a:rPr lang="en-US" b="1" dirty="0">
                 <a:solidFill>
-                  <a:schemeClr val="bg1"/>
+                  <a:srgbClr val="2D2D2D"/>
                 </a:solidFill>
                 <a:latin typeface="Courier New" panose="02070309020205020404" pitchFamily="49" charset="0"/>
                 <a:cs typeface="Courier New" panose="02070309020205020404" pitchFamily="49" charset="0"/>
@@ -3304,7 +4043,7 @@
             <a:r>
               <a:rPr lang="en-US" b="1" dirty="0">
                 <a:solidFill>
-                  <a:schemeClr val="bg1"/>
+                  <a:srgbClr val="2D2D2D"/>
                 </a:solidFill>
                 <a:latin typeface="Courier New" panose="02070309020205020404" pitchFamily="49" charset="0"/>
                 <a:cs typeface="Courier New" panose="02070309020205020404" pitchFamily="49" charset="0"/>
@@ -3316,7 +4055,7 @@
             <a:r>
               <a:rPr lang="en-US" b="1" dirty="0">
                 <a:solidFill>
-                  <a:schemeClr val="bg1"/>
+                  <a:srgbClr val="2D2D2D"/>
                 </a:solidFill>
                 <a:latin typeface="Courier New" panose="02070309020205020404" pitchFamily="49" charset="0"/>
                 <a:cs typeface="Courier New" panose="02070309020205020404" pitchFamily="49" charset="0"/>
@@ -3328,7 +4067,7 @@
             <a:r>
               <a:rPr lang="en-US" b="1" dirty="0">
                 <a:solidFill>
-                  <a:schemeClr val="bg1"/>
+                  <a:srgbClr val="2D2D2D"/>
                 </a:solidFill>
                 <a:latin typeface="Courier New" panose="02070309020205020404" pitchFamily="49" charset="0"/>
                 <a:cs typeface="Courier New" panose="02070309020205020404" pitchFamily="49" charset="0"/>
@@ -3804,7 +4543,7 @@
             <a:r>
               <a:rPr lang="en-US" b="1" dirty="0">
                 <a:solidFill>
-                  <a:schemeClr val="bg1"/>
+                  <a:srgbClr val="2D2D2D"/>
                 </a:solidFill>
                 <a:latin typeface="Courier New" panose="02070309020205020404" pitchFamily="49" charset="0"/>
                 <a:cs typeface="Courier New" panose="02070309020205020404" pitchFamily="49" charset="0"/>
@@ -3816,7 +4555,7 @@
             <a:r>
               <a:rPr lang="en-US" b="1" dirty="0">
                 <a:solidFill>
-                  <a:schemeClr val="bg1"/>
+                  <a:srgbClr val="2D2D2D"/>
                 </a:solidFill>
                 <a:latin typeface="Courier New" panose="02070309020205020404" pitchFamily="49" charset="0"/>
                 <a:cs typeface="Courier New" panose="02070309020205020404" pitchFamily="49" charset="0"/>
@@ -3828,7 +4567,7 @@
             <a:r>
               <a:rPr lang="en-US" b="1" dirty="0">
                 <a:solidFill>
-                  <a:schemeClr val="bg1"/>
+                  <a:srgbClr val="2D2D2D"/>
                 </a:solidFill>
                 <a:latin typeface="Courier New" panose="02070309020205020404" pitchFamily="49" charset="0"/>
                 <a:cs typeface="Courier New" panose="02070309020205020404" pitchFamily="49" charset="0"/>
@@ -3840,7 +4579,7 @@
             <a:r>
               <a:rPr lang="en-US" b="1" dirty="0">
                 <a:solidFill>
-                  <a:schemeClr val="bg1"/>
+                  <a:srgbClr val="2D2D2D"/>
                 </a:solidFill>
                 <a:latin typeface="Courier New" panose="02070309020205020404" pitchFamily="49" charset="0"/>
                 <a:cs typeface="Courier New" panose="02070309020205020404" pitchFamily="49" charset="0"/>
@@ -3852,7 +4591,7 @@
             <a:r>
               <a:rPr lang="en-US" b="1" dirty="0">
                 <a:solidFill>
-                  <a:schemeClr val="bg1"/>
+                  <a:srgbClr val="2D2D2D"/>
                 </a:solidFill>
                 <a:latin typeface="Courier New" panose="02070309020205020404" pitchFamily="49" charset="0"/>
                 <a:cs typeface="Courier New" panose="02070309020205020404" pitchFamily="49" charset="0"/>
@@ -3864,7 +4603,7 @@
             <a:r>
               <a:rPr lang="en-US" b="1" dirty="0">
                 <a:solidFill>
-                  <a:schemeClr val="bg1"/>
+                  <a:srgbClr val="2D2D2D"/>
                 </a:solidFill>
                 <a:latin typeface="Courier New" panose="02070309020205020404" pitchFamily="49" charset="0"/>
                 <a:cs typeface="Courier New" panose="02070309020205020404" pitchFamily="49" charset="0"/>
@@ -3876,7 +4615,7 @@
             <a:r>
               <a:rPr lang="en-US" b="1" dirty="0">
                 <a:solidFill>
-                  <a:schemeClr val="bg1"/>
+                  <a:srgbClr val="2D2D2D"/>
                 </a:solidFill>
                 <a:latin typeface="Courier New" panose="02070309020205020404" pitchFamily="49" charset="0"/>
                 <a:cs typeface="Courier New" panose="02070309020205020404" pitchFamily="49" charset="0"/>
@@ -3888,7 +4627,7 @@
             <a:r>
               <a:rPr lang="en-US" b="1" dirty="0">
                 <a:solidFill>
-                  <a:schemeClr val="bg1"/>
+                  <a:srgbClr val="2D2D2D"/>
                 </a:solidFill>
                 <a:latin typeface="Courier New" panose="02070309020205020404" pitchFamily="49" charset="0"/>
                 <a:cs typeface="Courier New" panose="02070309020205020404" pitchFamily="49" charset="0"/>
@@ -3900,7 +4639,7 @@
             <a:r>
               <a:rPr lang="en-US" b="1" dirty="0">
                 <a:solidFill>
-                  <a:schemeClr val="bg1"/>
+                  <a:srgbClr val="2D2D2D"/>
                 </a:solidFill>
                 <a:latin typeface="Courier New" panose="02070309020205020404" pitchFamily="49" charset="0"/>
                 <a:cs typeface="Courier New" panose="02070309020205020404" pitchFamily="49" charset="0"/>
@@ -3912,7 +4651,7 @@
             <a:r>
               <a:rPr lang="en-US" b="1" dirty="0">
                 <a:solidFill>
-                  <a:schemeClr val="bg1"/>
+                  <a:srgbClr val="2D2D2D"/>
                 </a:solidFill>
                 <a:latin typeface="Courier New" panose="02070309020205020404" pitchFamily="49" charset="0"/>
                 <a:cs typeface="Courier New" panose="02070309020205020404" pitchFamily="49" charset="0"/>
@@ -4327,7 +5066,7 @@
             <a:r>
               <a:rPr lang="en-US" b="1" dirty="0">
                 <a:solidFill>
-                  <a:schemeClr val="bg1"/>
+                  <a:srgbClr val="2D2D2D"/>
                 </a:solidFill>
                 <a:latin typeface="Courier New" panose="02070309020205020404" pitchFamily="49" charset="0"/>
                 <a:cs typeface="Courier New" panose="02070309020205020404" pitchFamily="49" charset="0"/>
@@ -4339,7 +5078,7 @@
             <a:r>
               <a:rPr lang="en-US" b="1" dirty="0">
                 <a:solidFill>
-                  <a:schemeClr val="bg1"/>
+                  <a:srgbClr val="2D2D2D"/>
                 </a:solidFill>
                 <a:latin typeface="Courier New" panose="02070309020205020404" pitchFamily="49" charset="0"/>
                 <a:cs typeface="Courier New" panose="02070309020205020404" pitchFamily="49" charset="0"/>
@@ -4351,7 +5090,7 @@
             <a:r>
               <a:rPr lang="en-US" b="1" dirty="0">
                 <a:solidFill>
-                  <a:schemeClr val="bg1"/>
+                  <a:srgbClr val="2D2D2D"/>
                 </a:solidFill>
                 <a:latin typeface="Courier New" panose="02070309020205020404" pitchFamily="49" charset="0"/>
                 <a:cs typeface="Courier New" panose="02070309020205020404" pitchFamily="49" charset="0"/>
@@ -4363,7 +5102,7 @@
             <a:r>
               <a:rPr lang="en-US" b="1" dirty="0">
                 <a:solidFill>
-                  <a:schemeClr val="bg1"/>
+                  <a:srgbClr val="2D2D2D"/>
                 </a:solidFill>
                 <a:latin typeface="Courier New" panose="02070309020205020404" pitchFamily="49" charset="0"/>
                 <a:cs typeface="Courier New" panose="02070309020205020404" pitchFamily="49" charset="0"/>
@@ -4375,7 +5114,7 @@
             <a:r>
               <a:rPr lang="en-US" b="1" dirty="0">
                 <a:solidFill>
-                  <a:schemeClr val="bg1"/>
+                  <a:srgbClr val="2D2D2D"/>
                 </a:solidFill>
                 <a:latin typeface="Courier New" panose="02070309020205020404" pitchFamily="49" charset="0"/>
                 <a:cs typeface="Courier New" panose="02070309020205020404" pitchFamily="49" charset="0"/>
@@ -4387,7 +5126,7 @@
             <a:r>
               <a:rPr lang="en-US" b="1" dirty="0">
                 <a:solidFill>
-                  <a:schemeClr val="bg1"/>
+                  <a:srgbClr val="2D2D2D"/>
                 </a:solidFill>
                 <a:latin typeface="Courier New" panose="02070309020205020404" pitchFamily="49" charset="0"/>
                 <a:cs typeface="Courier New" panose="02070309020205020404" pitchFamily="49" charset="0"/>
@@ -4399,7 +5138,7 @@
             <a:r>
               <a:rPr lang="en-US" b="1" dirty="0">
                 <a:solidFill>
-                  <a:schemeClr val="bg1"/>
+                  <a:srgbClr val="2D2D2D"/>
                 </a:solidFill>
                 <a:latin typeface="Courier New" panose="02070309020205020404" pitchFamily="49" charset="0"/>
                 <a:cs typeface="Courier New" panose="02070309020205020404" pitchFamily="49" charset="0"/>
@@ -4411,7 +5150,7 @@
             <a:r>
               <a:rPr lang="en-US" b="1" dirty="0">
                 <a:solidFill>
-                  <a:schemeClr val="bg1"/>
+                  <a:srgbClr val="2D2D2D"/>
                 </a:solidFill>
                 <a:latin typeface="Courier New" panose="02070309020205020404" pitchFamily="49" charset="0"/>
                 <a:cs typeface="Courier New" panose="02070309020205020404" pitchFamily="49" charset="0"/>
@@ -4423,7 +5162,7 @@
             <a:r>
               <a:rPr lang="en-US" b="1" dirty="0">
                 <a:solidFill>
-                  <a:schemeClr val="bg1"/>
+                  <a:srgbClr val="2D2D2D"/>
                 </a:solidFill>
                 <a:latin typeface="Courier New" panose="02070309020205020404" pitchFamily="49" charset="0"/>
                 <a:cs typeface="Courier New" panose="02070309020205020404" pitchFamily="49" charset="0"/>
@@ -4435,7 +5174,7 @@
             <a:r>
               <a:rPr lang="en-US" b="1" dirty="0">
                 <a:solidFill>
-                  <a:schemeClr val="bg1"/>
+                  <a:srgbClr val="2D2D2D"/>
                 </a:solidFill>
                 <a:latin typeface="Courier New" panose="02070309020205020404" pitchFamily="49" charset="0"/>
                 <a:cs typeface="Courier New" panose="02070309020205020404" pitchFamily="49" charset="0"/>
@@ -4805,7 +5544,7 @@
             <a:r>
               <a:rPr lang="en-US" b="1" dirty="0">
                 <a:solidFill>
-                  <a:schemeClr val="bg1"/>
+                  <a:srgbClr val="2D2D2D"/>
                 </a:solidFill>
                 <a:latin typeface="Courier New" panose="02070309020205020404" pitchFamily="49" charset="0"/>
                 <a:cs typeface="Courier New" panose="02070309020205020404" pitchFamily="49" charset="0"/>
@@ -4817,7 +5556,7 @@
             <a:r>
               <a:rPr lang="en-US" b="1" dirty="0">
                 <a:solidFill>
-                  <a:schemeClr val="bg1"/>
+                  <a:srgbClr val="2D2D2D"/>
                 </a:solidFill>
                 <a:latin typeface="Courier New" panose="02070309020205020404" pitchFamily="49" charset="0"/>
                 <a:cs typeface="Courier New" panose="02070309020205020404" pitchFamily="49" charset="0"/>
@@ -4829,7 +5568,7 @@
             <a:r>
               <a:rPr lang="en-US" b="1" dirty="0">
                 <a:solidFill>
-                  <a:schemeClr val="bg1"/>
+                  <a:srgbClr val="2D2D2D"/>
                 </a:solidFill>
                 <a:latin typeface="Courier New" panose="02070309020205020404" pitchFamily="49" charset="0"/>
                 <a:cs typeface="Courier New" panose="02070309020205020404" pitchFamily="49" charset="0"/>
@@ -4841,7 +5580,7 @@
             <a:r>
               <a:rPr lang="en-US" b="1" dirty="0">
                 <a:solidFill>
-                  <a:schemeClr val="bg1"/>
+                  <a:srgbClr val="2D2D2D"/>
                 </a:solidFill>
                 <a:latin typeface="Courier New" panose="02070309020205020404" pitchFamily="49" charset="0"/>
                 <a:cs typeface="Courier New" panose="02070309020205020404" pitchFamily="49" charset="0"/>
@@ -4853,7 +5592,7 @@
             <a:r>
               <a:rPr lang="en-US" b="1" dirty="0">
                 <a:solidFill>
-                  <a:schemeClr val="bg1"/>
+                  <a:srgbClr val="2D2D2D"/>
                 </a:solidFill>
                 <a:latin typeface="Courier New" panose="02070309020205020404" pitchFamily="49" charset="0"/>
                 <a:cs typeface="Courier New" panose="02070309020205020404" pitchFamily="49" charset="0"/>
@@ -4865,7 +5604,7 @@
             <a:r>
               <a:rPr lang="en-US" b="1" dirty="0">
                 <a:solidFill>
-                  <a:schemeClr val="bg1"/>
+                  <a:srgbClr val="2D2D2D"/>
                 </a:solidFill>
                 <a:latin typeface="Courier New" panose="02070309020205020404" pitchFamily="49" charset="0"/>
                 <a:cs typeface="Courier New" panose="02070309020205020404" pitchFamily="49" charset="0"/>
@@ -4877,7 +5616,7 @@
             <a:r>
               <a:rPr lang="en-US" b="1" dirty="0">
                 <a:solidFill>
-                  <a:schemeClr val="bg1"/>
+                  <a:srgbClr val="2D2D2D"/>
                 </a:solidFill>
                 <a:latin typeface="Courier New" panose="02070309020205020404" pitchFamily="49" charset="0"/>
                 <a:cs typeface="Courier New" panose="02070309020205020404" pitchFamily="49" charset="0"/>
@@ -4889,7 +5628,7 @@
             <a:r>
               <a:rPr lang="en-US" b="1" dirty="0">
                 <a:solidFill>
-                  <a:schemeClr val="bg1"/>
+                  <a:srgbClr val="2D2D2D"/>
                 </a:solidFill>
                 <a:latin typeface="Courier New" panose="02070309020205020404" pitchFamily="49" charset="0"/>
                 <a:cs typeface="Courier New" panose="02070309020205020404" pitchFamily="49" charset="0"/>
@@ -4901,7 +5640,7 @@
             <a:r>
               <a:rPr lang="en-US" b="1" dirty="0">
                 <a:solidFill>
-                  <a:schemeClr val="bg1"/>
+                  <a:srgbClr val="2D2D2D"/>
                 </a:solidFill>
                 <a:latin typeface="Courier New" panose="02070309020205020404" pitchFamily="49" charset="0"/>
                 <a:cs typeface="Courier New" panose="02070309020205020404" pitchFamily="49" charset="0"/>
@@ -4913,7 +5652,7 @@
             <a:r>
               <a:rPr lang="en-US" b="1" dirty="0">
                 <a:solidFill>
-                  <a:schemeClr val="bg1"/>
+                  <a:srgbClr val="2D2D2D"/>
                 </a:solidFill>
                 <a:latin typeface="Courier New" panose="02070309020205020404" pitchFamily="49" charset="0"/>
                 <a:cs typeface="Courier New" panose="02070309020205020404" pitchFamily="49" charset="0"/>
@@ -5377,7 +6116,7 @@
             <a:r>
               <a:rPr lang="en-US" b="1" dirty="0">
                 <a:solidFill>
-                  <a:schemeClr val="bg1"/>
+                  <a:srgbClr val="2D2D2D"/>
                 </a:solidFill>
                 <a:latin typeface="Courier New" panose="02070309020205020404" pitchFamily="49" charset="0"/>
                 <a:cs typeface="Courier New" panose="02070309020205020404" pitchFamily="49" charset="0"/>
@@ -5389,7 +6128,7 @@
             <a:r>
               <a:rPr lang="en-US" b="1" dirty="0">
                 <a:solidFill>
-                  <a:schemeClr val="bg1"/>
+                  <a:srgbClr val="2D2D2D"/>
                 </a:solidFill>
                 <a:latin typeface="Courier New" panose="02070309020205020404" pitchFamily="49" charset="0"/>
                 <a:cs typeface="Courier New" panose="02070309020205020404" pitchFamily="49" charset="0"/>
@@ -5401,7 +6140,7 @@
             <a:r>
               <a:rPr lang="en-US" b="1" dirty="0">
                 <a:solidFill>
-                  <a:schemeClr val="bg1"/>
+                  <a:srgbClr val="2D2D2D"/>
                 </a:solidFill>
                 <a:latin typeface="Courier New" panose="02070309020205020404" pitchFamily="49" charset="0"/>
                 <a:cs typeface="Courier New" panose="02070309020205020404" pitchFamily="49" charset="0"/>
@@ -5413,7 +6152,7 @@
             <a:r>
               <a:rPr lang="en-US" b="1" dirty="0">
                 <a:solidFill>
-                  <a:schemeClr val="bg1"/>
+                  <a:srgbClr val="2D2D2D"/>
                 </a:solidFill>
                 <a:latin typeface="Courier New" panose="02070309020205020404" pitchFamily="49" charset="0"/>
                 <a:cs typeface="Courier New" panose="02070309020205020404" pitchFamily="49" charset="0"/>
@@ -5425,7 +6164,7 @@
             <a:r>
               <a:rPr lang="en-US" b="1" dirty="0">
                 <a:solidFill>
-                  <a:schemeClr val="bg1"/>
+                  <a:srgbClr val="2D2D2D"/>
                 </a:solidFill>
                 <a:latin typeface="Courier New" panose="02070309020205020404" pitchFamily="49" charset="0"/>
                 <a:cs typeface="Courier New" panose="02070309020205020404" pitchFamily="49" charset="0"/>
@@ -5437,7 +6176,7 @@
             <a:r>
               <a:rPr lang="en-US" b="1" dirty="0">
                 <a:solidFill>
-                  <a:schemeClr val="bg1"/>
+                  <a:srgbClr val="2D2D2D"/>
                 </a:solidFill>
                 <a:latin typeface="Courier New" panose="02070309020205020404" pitchFamily="49" charset="0"/>
                 <a:cs typeface="Courier New" panose="02070309020205020404" pitchFamily="49" charset="0"/>
@@ -5449,7 +6188,7 @@
             <a:r>
               <a:rPr lang="en-US" b="1" dirty="0">
                 <a:solidFill>
-                  <a:schemeClr val="bg1"/>
+                  <a:srgbClr val="2D2D2D"/>
                 </a:solidFill>
                 <a:latin typeface="Courier New" panose="02070309020205020404" pitchFamily="49" charset="0"/>
                 <a:cs typeface="Courier New" panose="02070309020205020404" pitchFamily="49" charset="0"/>
@@ -5461,7 +6200,7 @@
             <a:r>
               <a:rPr lang="en-US" b="1" dirty="0">
                 <a:solidFill>
-                  <a:schemeClr val="bg1"/>
+                  <a:srgbClr val="2D2D2D"/>
                 </a:solidFill>
                 <a:latin typeface="Courier New" panose="02070309020205020404" pitchFamily="49" charset="0"/>
                 <a:cs typeface="Courier New" panose="02070309020205020404" pitchFamily="49" charset="0"/>
@@ -5473,7 +6212,7 @@
             <a:r>
               <a:rPr lang="en-US" b="1" dirty="0">
                 <a:solidFill>
-                  <a:schemeClr val="bg1"/>
+                  <a:srgbClr val="2D2D2D"/>
                 </a:solidFill>
                 <a:latin typeface="Courier New" panose="02070309020205020404" pitchFamily="49" charset="0"/>
                 <a:cs typeface="Courier New" panose="02070309020205020404" pitchFamily="49" charset="0"/>
@@ -5485,7 +6224,7 @@
             <a:r>
               <a:rPr lang="en-US" b="1" dirty="0">
                 <a:solidFill>
-                  <a:schemeClr val="bg1"/>
+                  <a:srgbClr val="2D2D2D"/>
                 </a:solidFill>
                 <a:latin typeface="Courier New" panose="02070309020205020404" pitchFamily="49" charset="0"/>
                 <a:cs typeface="Courier New" panose="02070309020205020404" pitchFamily="49" charset="0"/>
@@ -6270,37 +7009,6 @@
             </a:r>
           </a:p>
           <a:p>
-            <a:pPr lvl="1"/>
-            <a:r>
-              <a:rPr lang="en-US" b="1" dirty="0"/>
-              <a:t>Reading</a:t>
-            </a:r>
-            <a:r>
-              <a:rPr lang="en-US" b="1" dirty="0">
-                <a:solidFill>
-                  <a:schemeClr val="accent1"/>
-                </a:solidFill>
-              </a:rPr>
-              <a:t>:</a:t>
-            </a:r>
-            <a:r>
-              <a:rPr lang="en-US" b="1" dirty="0"/>
-              <a:t> 9.3</a:t>
-            </a:r>
-            <a:r>
-              <a:rPr lang="en-US" b="1" dirty="0">
-                <a:solidFill>
-                  <a:schemeClr val="accent1"/>
-                </a:solidFill>
-              </a:rPr>
-              <a:t>,</a:t>
-            </a:r>
-            <a:r>
-              <a:rPr lang="en-US" b="1" dirty="0"/>
-              <a:t> 9.4</a:t>
-            </a:r>
-          </a:p>
-          <a:p>
             <a:r>
               <a:rPr lang="en-US" b="1" dirty="0"/>
               <a:t>Lecture </a:t>
@@ -6342,13 +7050,6 @@
             </a:r>
           </a:p>
           <a:p>
-            <a:pPr lvl="1"/>
-            <a:r>
-              <a:rPr lang="en-US" dirty="0"/>
-              <a:t>Reading: 9.5 – 9.9</a:t>
-            </a:r>
-          </a:p>
-          <a:p>
             <a:r>
               <a:rPr lang="en-US" b="1" dirty="0"/>
               <a:t>Lecture </a:t>
@@ -6378,13 +7079,8 @@
             </a:r>
             <a:r>
               <a:rPr lang="en-US" dirty="0"/>
-              <a:t> </a:t>
-            </a:r>
-            <a:r>
-              <a:rPr lang="en-US" dirty="0" err="1"/>
-              <a:t>Madlibs</a:t>
-            </a:r>
-            <a:endParaRPr lang="en-US" dirty="0"/>
+              <a:t> Cryptography</a:t>
+            </a:r>
           </a:p>
         </p:txBody>
       </p:sp>
@@ -11681,12 +12377,7 @@
             <p:ph type="title"/>
           </p:nvPr>
         </p:nvSpPr>
-        <p:spPr>
-          <a:xfrm>
-            <a:off x="838200" y="727514"/>
-            <a:ext cx="10515600" cy="656148"/>
-          </a:xfrm>
-        </p:spPr>
+        <p:spPr/>
         <p:txBody>
           <a:bodyPr>
             <a:normAutofit fontScale="90000"/>
@@ -12135,12 +12826,7 @@
             <p:ph type="title"/>
           </p:nvPr>
         </p:nvSpPr>
-        <p:spPr>
-          <a:xfrm>
-            <a:off x="838200" y="727514"/>
-            <a:ext cx="10515600" cy="656148"/>
-          </a:xfrm>
-        </p:spPr>
+        <p:spPr/>
         <p:txBody>
           <a:bodyPr>
             <a:normAutofit fontScale="90000"/>
@@ -12294,7 +12980,6 @@
             </a:r>
           </a:p>
           <a:p>
-            <a:pPr lvl="1"/>
             <a:r>
               <a:rPr lang="en-US" sz="3200" dirty="0">
                 <a:solidFill>
@@ -15689,9 +16374,9 @@
 </file>
 
 <file path=ppt/theme/theme1.xml><?xml version="1.0" encoding="utf-8"?>
-<a:theme xmlns:a="http://schemas.openxmlformats.org/drawingml/2006/main" name="APS106_PPTX_Theme">
+<a:theme xmlns:a="http://schemas.openxmlformats.org/drawingml/2006/main" name="APS106_Theme">
   <a:themeElements>
-    <a:clrScheme name="Custom 5">
+    <a:clrScheme name="Custom 2">
       <a:dk1>
         <a:srgbClr val="444445"/>
       </a:dk1>
@@ -15705,13 +16390,13 @@
         <a:srgbClr val="3D464D"/>
       </a:lt2>
       <a:accent1>
-        <a:srgbClr val="017EE5"/>
+        <a:srgbClr val="0061FF"/>
       </a:accent1>
       <a:accent2>
-        <a:srgbClr val="017EE5"/>
+        <a:srgbClr val="0061FF"/>
       </a:accent2>
       <a:accent3>
-        <a:srgbClr val="017EE5"/>
+        <a:srgbClr val="0061FF"/>
       </a:accent3>
       <a:accent4>
         <a:srgbClr val="7B8994"/>
@@ -15720,7 +16405,7 @@
         <a:srgbClr val="7B8994"/>
       </a:accent5>
       <a:accent6>
-        <a:srgbClr val="FF9933"/>
+        <a:srgbClr val="F7B41A"/>
       </a:accent6>
       <a:hlink>
         <a:srgbClr val="3D464D"/>
@@ -15883,7 +16568,7 @@
   <a:extraClrSchemeLst/>
   <a:extLst>
     <a:ext uri="{05A4C25C-085E-4340-85A3-A5531E510DB2}">
-      <thm15:themeFamily xmlns:thm15="http://schemas.microsoft.com/office/thememl/2012/main" name="APS106_PPTX_Theme" id="{D71ABBE9-7E6D-4E30-BD8F-2EB61EB32A2D}" vid="{056030BA-02C6-4208-ACCE-F1B550CC0AA4}"/>
+      <thm15:themeFamily xmlns:thm15="http://schemas.microsoft.com/office/thememl/2012/main" name="APS106_Theme" id="{3BEEB87C-8A6C-443F-995D-4A4893CCEBD8}" vid="{9B7A7CDB-8752-4A8C-8C1A-92E8A921146E}"/>
     </a:ext>
   </a:extLst>
 </a:theme>

--- a/lectures/week6/lecture1/slides/week6_lecture1.pptx
+++ b/lectures/week6/lecture1/slides/week6_lecture1.pptx
@@ -23,22 +23,24 @@
     <p:sldId id="333" r:id="rId17"/>
     <p:sldId id="328" r:id="rId18"/>
     <p:sldId id="335" r:id="rId19"/>
-    <p:sldId id="334" r:id="rId20"/>
-    <p:sldId id="337" r:id="rId21"/>
-    <p:sldId id="338" r:id="rId22"/>
-    <p:sldId id="340" r:id="rId23"/>
-    <p:sldId id="339" r:id="rId24"/>
-    <p:sldId id="341" r:id="rId25"/>
-    <p:sldId id="342" r:id="rId26"/>
-    <p:sldId id="343" r:id="rId27"/>
-    <p:sldId id="355" r:id="rId28"/>
-    <p:sldId id="352" r:id="rId29"/>
-    <p:sldId id="353" r:id="rId30"/>
-    <p:sldId id="354" r:id="rId31"/>
-    <p:sldId id="266" r:id="rId32"/>
-    <p:sldId id="344" r:id="rId33"/>
-    <p:sldId id="324" r:id="rId34"/>
-    <p:sldId id="325" r:id="rId35"/>
+    <p:sldId id="357" r:id="rId20"/>
+    <p:sldId id="356" r:id="rId21"/>
+    <p:sldId id="334" r:id="rId22"/>
+    <p:sldId id="337" r:id="rId23"/>
+    <p:sldId id="338" r:id="rId24"/>
+    <p:sldId id="340" r:id="rId25"/>
+    <p:sldId id="339" r:id="rId26"/>
+    <p:sldId id="341" r:id="rId27"/>
+    <p:sldId id="342" r:id="rId28"/>
+    <p:sldId id="343" r:id="rId29"/>
+    <p:sldId id="355" r:id="rId30"/>
+    <p:sldId id="352" r:id="rId31"/>
+    <p:sldId id="353" r:id="rId32"/>
+    <p:sldId id="354" r:id="rId33"/>
+    <p:sldId id="266" r:id="rId34"/>
+    <p:sldId id="344" r:id="rId35"/>
+    <p:sldId id="324" r:id="rId36"/>
+    <p:sldId id="325" r:id="rId37"/>
   </p:sldIdLst>
   <p:sldSz cx="12192000" cy="6858000"/>
   <p:notesSz cx="6858000" cy="9144000"/>
@@ -6681,6 +6683,1146 @@
   <p:cSld>
     <p:spTree>
       <p:nvGrpSpPr>
+        <p:cNvPr id="1" name="">
+          <a:extLst>
+            <a:ext uri="{FF2B5EF4-FFF2-40B4-BE49-F238E27FC236}">
+              <a16:creationId xmlns:a16="http://schemas.microsoft.com/office/drawing/2014/main" id="{D4A4E019-A861-0EB3-8FA0-D1464211A930}"/>
+            </a:ext>
+          </a:extLst>
+        </p:cNvPr>
+        <p:cNvGrpSpPr/>
+        <p:nvPr/>
+      </p:nvGrpSpPr>
+      <p:grpSpPr>
+        <a:xfrm>
+          <a:off x="0" y="0"/>
+          <a:ext cx="0" cy="0"/>
+          <a:chOff x="0" y="0"/>
+          <a:chExt cx="0" cy="0"/>
+        </a:xfrm>
+      </p:grpSpPr>
+      <p:sp>
+        <p:nvSpPr>
+          <p:cNvPr id="2" name="Title 1">
+            <a:extLst>
+              <a:ext uri="{FF2B5EF4-FFF2-40B4-BE49-F238E27FC236}">
+                <a16:creationId xmlns:a16="http://schemas.microsoft.com/office/drawing/2014/main" id="{92F12346-0399-EA01-CFF1-F5C65E2DC903}"/>
+              </a:ext>
+            </a:extLst>
+          </p:cNvPr>
+          <p:cNvSpPr>
+            <a:spLocks noGrp="1"/>
+          </p:cNvSpPr>
+          <p:nvPr>
+            <p:ph type="title"/>
+          </p:nvPr>
+        </p:nvSpPr>
+        <p:spPr/>
+        <p:txBody>
+          <a:bodyPr>
+            <a:normAutofit fontScale="90000"/>
+          </a:bodyPr>
+          <a:lstStyle/>
+          <a:p>
+            <a:r>
+              <a:rPr lang="en-US" b="1" dirty="0">
+                <a:solidFill>
+                  <a:schemeClr val="accent6"/>
+                </a:solidFill>
+              </a:rPr>
+              <a:t>for</a:t>
+            </a:r>
+            <a:r>
+              <a:rPr lang="en-US" b="1" dirty="0"/>
+              <a:t> loops</a:t>
+            </a:r>
+          </a:p>
+        </p:txBody>
+      </p:sp>
+      <p:sp>
+        <p:nvSpPr>
+          <p:cNvPr id="3" name="Content Placeholder 2">
+            <a:extLst>
+              <a:ext uri="{FF2B5EF4-FFF2-40B4-BE49-F238E27FC236}">
+                <a16:creationId xmlns:a16="http://schemas.microsoft.com/office/drawing/2014/main" id="{1FFBB663-D1FD-68A6-E27A-B1F601508679}"/>
+              </a:ext>
+            </a:extLst>
+          </p:cNvPr>
+          <p:cNvSpPr>
+            <a:spLocks noGrp="1"/>
+          </p:cNvSpPr>
+          <p:nvPr>
+            <p:ph idx="1"/>
+          </p:nvPr>
+        </p:nvSpPr>
+        <p:spPr>
+          <a:xfrm>
+            <a:off x="838201" y="1825624"/>
+            <a:ext cx="4997116" cy="4835479"/>
+          </a:xfrm>
+        </p:spPr>
+        <p:txBody>
+          <a:bodyPr>
+            <a:normAutofit/>
+          </a:bodyPr>
+          <a:lstStyle/>
+          <a:p>
+            <a:r>
+              <a:rPr lang="en-US" sz="3200" dirty="0"/>
+              <a:t>What output should we get</a:t>
+            </a:r>
+            <a:r>
+              <a:rPr lang="en-US" sz="3200" dirty="0">
+                <a:solidFill>
+                  <a:schemeClr val="accent1"/>
+                </a:solidFill>
+              </a:rPr>
+              <a:t>?</a:t>
+            </a:r>
+          </a:p>
+          <a:p>
+            <a:endParaRPr lang="en-US" sz="3200" dirty="0">
+              <a:solidFill>
+                <a:schemeClr val="accent2"/>
+              </a:solidFill>
+            </a:endParaRPr>
+          </a:p>
+        </p:txBody>
+      </p:sp>
+      <p:sp>
+        <p:nvSpPr>
+          <p:cNvPr id="5" name="TextBox 4">
+            <a:extLst>
+              <a:ext uri="{FF2B5EF4-FFF2-40B4-BE49-F238E27FC236}">
+                <a16:creationId xmlns:a16="http://schemas.microsoft.com/office/drawing/2014/main" id="{127631B1-C723-B42C-CE83-962B867EC38F}"/>
+              </a:ext>
+            </a:extLst>
+          </p:cNvPr>
+          <p:cNvSpPr txBox="1"/>
+          <p:nvPr/>
+        </p:nvSpPr>
+        <p:spPr>
+          <a:xfrm>
+            <a:off x="5955632" y="745165"/>
+            <a:ext cx="5933034" cy="3231654"/>
+          </a:xfrm>
+          <a:prstGeom prst="rect">
+            <a:avLst/>
+          </a:prstGeom>
+          <a:noFill/>
+        </p:spPr>
+        <p:txBody>
+          <a:bodyPr wrap="none" rtlCol="0">
+            <a:spAutoFit/>
+          </a:bodyPr>
+          <a:lstStyle/>
+          <a:p>
+            <a:r>
+              <a:rPr lang="en-US" sz="3400" b="1" dirty="0">
+                <a:solidFill>
+                  <a:srgbClr val="FFD6AD"/>
+                </a:solidFill>
+                <a:latin typeface="Courier New" panose="02070309020205020404" pitchFamily="49" charset="0"/>
+                <a:cs typeface="Courier New" panose="02070309020205020404" pitchFamily="49" charset="0"/>
+              </a:rPr>
+              <a:t>name</a:t>
+            </a:r>
+            <a:r>
+              <a:rPr lang="en-US" sz="3400" b="1" dirty="0">
+                <a:solidFill>
+                  <a:srgbClr val="00FF00"/>
+                </a:solidFill>
+                <a:latin typeface="Courier New" panose="02070309020205020404" pitchFamily="49" charset="0"/>
+                <a:cs typeface="Courier New" panose="02070309020205020404" pitchFamily="49" charset="0"/>
+              </a:rPr>
+              <a:t> = ‘</a:t>
+            </a:r>
+            <a:r>
+              <a:rPr lang="en-US" sz="3400" b="1" dirty="0">
+                <a:solidFill>
+                  <a:srgbClr val="FFD6AD"/>
+                </a:solidFill>
+                <a:latin typeface="Courier New" panose="02070309020205020404" pitchFamily="49" charset="0"/>
+                <a:cs typeface="Courier New" panose="02070309020205020404" pitchFamily="49" charset="0"/>
+              </a:rPr>
+              <a:t>Sebastian</a:t>
+            </a:r>
+            <a:r>
+              <a:rPr lang="en-US" sz="3400" b="1" dirty="0">
+                <a:solidFill>
+                  <a:srgbClr val="00FF00"/>
+                </a:solidFill>
+                <a:latin typeface="Courier New" panose="02070309020205020404" pitchFamily="49" charset="0"/>
+                <a:cs typeface="Courier New" panose="02070309020205020404" pitchFamily="49" charset="0"/>
+              </a:rPr>
+              <a:t>’</a:t>
+            </a:r>
+          </a:p>
+          <a:p>
+            <a:endParaRPr lang="en-US" sz="3400" b="1" dirty="0">
+              <a:solidFill>
+                <a:srgbClr val="00FF00"/>
+              </a:solidFill>
+              <a:latin typeface="Courier New" panose="02070309020205020404" pitchFamily="49" charset="0"/>
+              <a:cs typeface="Courier New" panose="02070309020205020404" pitchFamily="49" charset="0"/>
+            </a:endParaRPr>
+          </a:p>
+          <a:p>
+            <a:r>
+              <a:rPr lang="en-US" sz="3400" b="1" dirty="0">
+                <a:solidFill>
+                  <a:srgbClr val="00FF00"/>
+                </a:solidFill>
+                <a:latin typeface="Courier New" panose="02070309020205020404" pitchFamily="49" charset="0"/>
+                <a:cs typeface="Courier New" panose="02070309020205020404" pitchFamily="49" charset="0"/>
+              </a:rPr>
+              <a:t>for </a:t>
+            </a:r>
+            <a:r>
+              <a:rPr lang="en-US" sz="3400" b="1" dirty="0">
+                <a:solidFill>
+                  <a:schemeClr val="accent6">
+                    <a:lumMod val="40000"/>
+                    <a:lumOff val="60000"/>
+                  </a:schemeClr>
+                </a:solidFill>
+                <a:latin typeface="Courier New" panose="02070309020205020404" pitchFamily="49" charset="0"/>
+                <a:cs typeface="Courier New" panose="02070309020205020404" pitchFamily="49" charset="0"/>
+              </a:rPr>
+              <a:t>character</a:t>
+            </a:r>
+            <a:r>
+              <a:rPr lang="en-US" sz="3400" b="1" dirty="0">
+                <a:solidFill>
+                  <a:srgbClr val="00FF00"/>
+                </a:solidFill>
+                <a:latin typeface="Courier New" panose="02070309020205020404" pitchFamily="49" charset="0"/>
+                <a:cs typeface="Courier New" panose="02070309020205020404" pitchFamily="49" charset="0"/>
+              </a:rPr>
+              <a:t> in </a:t>
+            </a:r>
+            <a:r>
+              <a:rPr lang="en-US" sz="3400" b="1" dirty="0">
+                <a:solidFill>
+                  <a:schemeClr val="accent6">
+                    <a:lumMod val="40000"/>
+                    <a:lumOff val="60000"/>
+                  </a:schemeClr>
+                </a:solidFill>
+                <a:latin typeface="Courier New" panose="02070309020205020404" pitchFamily="49" charset="0"/>
+                <a:cs typeface="Courier New" panose="02070309020205020404" pitchFamily="49" charset="0"/>
+              </a:rPr>
+              <a:t>name</a:t>
+            </a:r>
+            <a:r>
+              <a:rPr lang="en-US" sz="3400" b="1" dirty="0">
+                <a:solidFill>
+                  <a:srgbClr val="00FF00"/>
+                </a:solidFill>
+                <a:latin typeface="Courier New" panose="02070309020205020404" pitchFamily="49" charset="0"/>
+                <a:cs typeface="Courier New" panose="02070309020205020404" pitchFamily="49" charset="0"/>
+              </a:rPr>
+              <a:t>:</a:t>
+            </a:r>
+          </a:p>
+          <a:p>
+            <a:r>
+              <a:rPr lang="en-US" sz="3400" b="1" dirty="0">
+                <a:solidFill>
+                  <a:srgbClr val="00FF00"/>
+                </a:solidFill>
+                <a:latin typeface="Courier New" panose="02070309020205020404" pitchFamily="49" charset="0"/>
+                <a:cs typeface="Courier New" panose="02070309020205020404" pitchFamily="49" charset="0"/>
+              </a:rPr>
+              <a:t>	print(</a:t>
+            </a:r>
+            <a:r>
+              <a:rPr lang="en-US" sz="3400" b="1" dirty="0">
+                <a:solidFill>
+                  <a:schemeClr val="accent6">
+                    <a:lumMod val="40000"/>
+                    <a:lumOff val="60000"/>
+                  </a:schemeClr>
+                </a:solidFill>
+                <a:latin typeface="Courier New" panose="02070309020205020404" pitchFamily="49" charset="0"/>
+                <a:cs typeface="Courier New" panose="02070309020205020404" pitchFamily="49" charset="0"/>
+              </a:rPr>
+              <a:t>character</a:t>
+            </a:r>
+            <a:r>
+              <a:rPr lang="en-US" sz="3400" b="1" dirty="0">
+                <a:solidFill>
+                  <a:srgbClr val="00FF00"/>
+                </a:solidFill>
+                <a:latin typeface="Courier New" panose="02070309020205020404" pitchFamily="49" charset="0"/>
+                <a:cs typeface="Courier New" panose="02070309020205020404" pitchFamily="49" charset="0"/>
+              </a:rPr>
+              <a:t>)</a:t>
+            </a:r>
+          </a:p>
+          <a:p>
+            <a:endParaRPr lang="en-US" sz="3400" b="1" dirty="0">
+              <a:solidFill>
+                <a:srgbClr val="00FF00"/>
+              </a:solidFill>
+              <a:latin typeface="Courier New" panose="02070309020205020404" pitchFamily="49" charset="0"/>
+              <a:cs typeface="Courier New" panose="02070309020205020404" pitchFamily="49" charset="0"/>
+            </a:endParaRPr>
+          </a:p>
+          <a:p>
+            <a:r>
+              <a:rPr lang="en-US" sz="3400" b="1" dirty="0">
+                <a:solidFill>
+                  <a:srgbClr val="00FF00"/>
+                </a:solidFill>
+                <a:latin typeface="Courier New" panose="02070309020205020404" pitchFamily="49" charset="0"/>
+                <a:cs typeface="Courier New" panose="02070309020205020404" pitchFamily="49" charset="0"/>
+              </a:rPr>
+              <a:t>print(</a:t>
+            </a:r>
+            <a:r>
+              <a:rPr lang="en-US" sz="3400" b="1" dirty="0">
+                <a:solidFill>
+                  <a:schemeClr val="accent6">
+                    <a:lumMod val="40000"/>
+                    <a:lumOff val="60000"/>
+                  </a:schemeClr>
+                </a:solidFill>
+                <a:latin typeface="Courier New" panose="02070309020205020404" pitchFamily="49" charset="0"/>
+                <a:cs typeface="Courier New" panose="02070309020205020404" pitchFamily="49" charset="0"/>
+              </a:rPr>
+              <a:t>character</a:t>
+            </a:r>
+            <a:r>
+              <a:rPr lang="en-US" sz="3400" b="1" dirty="0">
+                <a:solidFill>
+                  <a:srgbClr val="00FF00"/>
+                </a:solidFill>
+                <a:latin typeface="Courier New" panose="02070309020205020404" pitchFamily="49" charset="0"/>
+                <a:cs typeface="Courier New" panose="02070309020205020404" pitchFamily="49" charset="0"/>
+              </a:rPr>
+              <a:t>)</a:t>
+            </a:r>
+          </a:p>
+        </p:txBody>
+      </p:sp>
+    </p:spTree>
+    <p:extLst>
+      <p:ext uri="{BB962C8B-B14F-4D97-AF65-F5344CB8AC3E}">
+        <p14:creationId xmlns:p14="http://schemas.microsoft.com/office/powerpoint/2010/main" val="3233165219"/>
+      </p:ext>
+    </p:extLst>
+  </p:cSld>
+  <p:clrMapOvr>
+    <a:masterClrMapping/>
+  </p:clrMapOvr>
+</p:sld>
+</file>
+
+<file path=ppt/slides/slide2.xml><?xml version="1.0" encoding="utf-8"?>
+<p:sld xmlns:a="http://schemas.openxmlformats.org/drawingml/2006/main" xmlns:r="http://schemas.openxmlformats.org/officeDocument/2006/relationships" xmlns:p="http://schemas.openxmlformats.org/presentationml/2006/main">
+  <p:cSld>
+    <p:spTree>
+      <p:nvGrpSpPr>
+        <p:cNvPr id="1" name=""/>
+        <p:cNvGrpSpPr/>
+        <p:nvPr/>
+      </p:nvGrpSpPr>
+      <p:grpSpPr>
+        <a:xfrm>
+          <a:off x="0" y="0"/>
+          <a:ext cx="0" cy="0"/>
+          <a:chOff x="0" y="0"/>
+          <a:chExt cx="0" cy="0"/>
+        </a:xfrm>
+      </p:grpSpPr>
+      <p:sp>
+        <p:nvSpPr>
+          <p:cNvPr id="2" name="Title 1">
+            <a:extLst>
+              <a:ext uri="{FF2B5EF4-FFF2-40B4-BE49-F238E27FC236}">
+                <a16:creationId xmlns:a16="http://schemas.microsoft.com/office/drawing/2014/main" id="{8969A57B-21DC-4557-9D2E-36BBF1E923C9}"/>
+              </a:ext>
+            </a:extLst>
+          </p:cNvPr>
+          <p:cNvSpPr>
+            <a:spLocks noGrp="1"/>
+          </p:cNvSpPr>
+          <p:nvPr>
+            <p:ph type="title"/>
+          </p:nvPr>
+        </p:nvSpPr>
+        <p:spPr/>
+        <p:txBody>
+          <a:bodyPr>
+            <a:normAutofit fontScale="90000"/>
+          </a:bodyPr>
+          <a:lstStyle/>
+          <a:p>
+            <a:r>
+              <a:rPr lang="en-US" b="1" dirty="0"/>
+              <a:t>This Week</a:t>
+            </a:r>
+            <a:r>
+              <a:rPr lang="en-US" b="1" dirty="0">
+                <a:solidFill>
+                  <a:schemeClr val="accent1"/>
+                </a:solidFill>
+              </a:rPr>
+              <a:t>’</a:t>
+            </a:r>
+            <a:r>
+              <a:rPr lang="en-US" b="1" dirty="0"/>
+              <a:t>s Content</a:t>
+            </a:r>
+          </a:p>
+        </p:txBody>
+      </p:sp>
+      <p:sp>
+        <p:nvSpPr>
+          <p:cNvPr id="3" name="Content Placeholder 2">
+            <a:extLst>
+              <a:ext uri="{FF2B5EF4-FFF2-40B4-BE49-F238E27FC236}">
+                <a16:creationId xmlns:a16="http://schemas.microsoft.com/office/drawing/2014/main" id="{7AB50049-8F6C-4DF3-BA59-31343B218CF3}"/>
+              </a:ext>
+            </a:extLst>
+          </p:cNvPr>
+          <p:cNvSpPr>
+            <a:spLocks noGrp="1"/>
+          </p:cNvSpPr>
+          <p:nvPr>
+            <p:ph idx="1"/>
+          </p:nvPr>
+        </p:nvSpPr>
+        <p:spPr/>
+        <p:txBody>
+          <a:bodyPr/>
+          <a:lstStyle/>
+          <a:p>
+            <a:r>
+              <a:rPr lang="en-US" b="1" dirty="0"/>
+              <a:t>Lecture </a:t>
+            </a:r>
+            <a:r>
+              <a:rPr lang="en-US" b="1" dirty="0">
+                <a:solidFill>
+                  <a:schemeClr val="accent1"/>
+                </a:solidFill>
+              </a:rPr>
+              <a:t>6.1</a:t>
+            </a:r>
+          </a:p>
+          <a:p>
+            <a:pPr lvl="1"/>
+            <a:r>
+              <a:rPr lang="en-US" b="1" dirty="0">
+                <a:solidFill>
+                  <a:schemeClr val="accent6"/>
+                </a:solidFill>
+              </a:rPr>
+              <a:t>for </a:t>
+            </a:r>
+            <a:r>
+              <a:rPr lang="en-US" b="1" dirty="0"/>
+              <a:t>loops</a:t>
+            </a:r>
+          </a:p>
+          <a:p>
+            <a:r>
+              <a:rPr lang="en-US" b="1" dirty="0"/>
+              <a:t>Lecture </a:t>
+            </a:r>
+            <a:r>
+              <a:rPr lang="en-US" b="1" dirty="0">
+                <a:solidFill>
+                  <a:schemeClr val="accent1"/>
+                </a:solidFill>
+              </a:rPr>
+              <a:t>6.2</a:t>
+            </a:r>
+          </a:p>
+          <a:p>
+            <a:pPr lvl="1"/>
+            <a:r>
+              <a:rPr lang="en-US" dirty="0">
+                <a:solidFill>
+                  <a:schemeClr val="accent6"/>
+                </a:solidFill>
+              </a:rPr>
+              <a:t>for </a:t>
+            </a:r>
+            <a:r>
+              <a:rPr lang="en-US" dirty="0"/>
+              <a:t>loops on indices</a:t>
+            </a:r>
+            <a:r>
+              <a:rPr lang="en-US" dirty="0">
+                <a:solidFill>
+                  <a:schemeClr val="accent2"/>
+                </a:solidFill>
+              </a:rPr>
+              <a:t>,</a:t>
+            </a:r>
+            <a:r>
+              <a:rPr lang="en-US" dirty="0"/>
+              <a:t> nested loops</a:t>
+            </a:r>
+          </a:p>
+          <a:p>
+            <a:r>
+              <a:rPr lang="en-US" b="1" dirty="0"/>
+              <a:t>Lecture </a:t>
+            </a:r>
+            <a:r>
+              <a:rPr lang="en-US" b="1" dirty="0">
+                <a:solidFill>
+                  <a:schemeClr val="accent1"/>
+                </a:solidFill>
+              </a:rPr>
+              <a:t>6.3</a:t>
+            </a:r>
+          </a:p>
+          <a:p>
+            <a:pPr lvl="1"/>
+            <a:r>
+              <a:rPr lang="en-US" dirty="0"/>
+              <a:t>Design Problem</a:t>
+            </a:r>
+            <a:r>
+              <a:rPr lang="en-US" dirty="0">
+                <a:solidFill>
+                  <a:schemeClr val="accent1"/>
+                </a:solidFill>
+              </a:rPr>
+              <a:t>:</a:t>
+            </a:r>
+            <a:r>
+              <a:rPr lang="en-US" dirty="0"/>
+              <a:t> Cryptography</a:t>
+            </a:r>
+          </a:p>
+        </p:txBody>
+      </p:sp>
+    </p:spTree>
+    <p:extLst>
+      <p:ext uri="{BB962C8B-B14F-4D97-AF65-F5344CB8AC3E}">
+        <p14:creationId xmlns:p14="http://schemas.microsoft.com/office/powerpoint/2010/main" val="2832463924"/>
+      </p:ext>
+    </p:extLst>
+  </p:cSld>
+  <p:clrMapOvr>
+    <a:masterClrMapping/>
+  </p:clrMapOvr>
+</p:sld>
+</file>
+
+<file path=ppt/slides/slide20.xml><?xml version="1.0" encoding="utf-8"?>
+<p:sld xmlns:a="http://schemas.openxmlformats.org/drawingml/2006/main" xmlns:r="http://schemas.openxmlformats.org/officeDocument/2006/relationships" xmlns:p="http://schemas.openxmlformats.org/presentationml/2006/main">
+  <p:cSld>
+    <p:spTree>
+      <p:nvGrpSpPr>
+        <p:cNvPr id="1" name="">
+          <a:extLst>
+            <a:ext uri="{FF2B5EF4-FFF2-40B4-BE49-F238E27FC236}">
+              <a16:creationId xmlns:a16="http://schemas.microsoft.com/office/drawing/2014/main" id="{69521771-7E4B-3150-B20C-AAD2FB263D77}"/>
+            </a:ext>
+          </a:extLst>
+        </p:cNvPr>
+        <p:cNvGrpSpPr/>
+        <p:nvPr/>
+      </p:nvGrpSpPr>
+      <p:grpSpPr>
+        <a:xfrm>
+          <a:off x="0" y="0"/>
+          <a:ext cx="0" cy="0"/>
+          <a:chOff x="0" y="0"/>
+          <a:chExt cx="0" cy="0"/>
+        </a:xfrm>
+      </p:grpSpPr>
+      <p:sp>
+        <p:nvSpPr>
+          <p:cNvPr id="2" name="Title 1">
+            <a:extLst>
+              <a:ext uri="{FF2B5EF4-FFF2-40B4-BE49-F238E27FC236}">
+                <a16:creationId xmlns:a16="http://schemas.microsoft.com/office/drawing/2014/main" id="{ADFFBCDE-5FD9-EA47-ED36-AB010FF78E30}"/>
+              </a:ext>
+            </a:extLst>
+          </p:cNvPr>
+          <p:cNvSpPr>
+            <a:spLocks noGrp="1"/>
+          </p:cNvSpPr>
+          <p:nvPr>
+            <p:ph type="title"/>
+          </p:nvPr>
+        </p:nvSpPr>
+        <p:spPr/>
+        <p:txBody>
+          <a:bodyPr>
+            <a:normAutofit fontScale="90000"/>
+          </a:bodyPr>
+          <a:lstStyle/>
+          <a:p>
+            <a:r>
+              <a:rPr lang="en-US" b="1" dirty="0">
+                <a:solidFill>
+                  <a:schemeClr val="accent6"/>
+                </a:solidFill>
+              </a:rPr>
+              <a:t>for</a:t>
+            </a:r>
+            <a:r>
+              <a:rPr lang="en-US" b="1" dirty="0"/>
+              <a:t> loops</a:t>
+            </a:r>
+          </a:p>
+        </p:txBody>
+      </p:sp>
+      <p:sp>
+        <p:nvSpPr>
+          <p:cNvPr id="3" name="Content Placeholder 2">
+            <a:extLst>
+              <a:ext uri="{FF2B5EF4-FFF2-40B4-BE49-F238E27FC236}">
+                <a16:creationId xmlns:a16="http://schemas.microsoft.com/office/drawing/2014/main" id="{1CD1C897-E6CA-648F-FB4A-A9ECF429A3B3}"/>
+              </a:ext>
+            </a:extLst>
+          </p:cNvPr>
+          <p:cNvSpPr>
+            <a:spLocks noGrp="1"/>
+          </p:cNvSpPr>
+          <p:nvPr>
+            <p:ph idx="1"/>
+          </p:nvPr>
+        </p:nvSpPr>
+        <p:spPr>
+          <a:xfrm>
+            <a:off x="838201" y="1825624"/>
+            <a:ext cx="4997116" cy="4835479"/>
+          </a:xfrm>
+        </p:spPr>
+        <p:txBody>
+          <a:bodyPr>
+            <a:normAutofit/>
+          </a:bodyPr>
+          <a:lstStyle/>
+          <a:p>
+            <a:r>
+              <a:rPr lang="en-US" sz="3200" dirty="0"/>
+              <a:t>What output should we get</a:t>
+            </a:r>
+            <a:r>
+              <a:rPr lang="en-US" sz="3200" dirty="0">
+                <a:solidFill>
+                  <a:schemeClr val="accent1"/>
+                </a:solidFill>
+              </a:rPr>
+              <a:t>?</a:t>
+            </a:r>
+          </a:p>
+          <a:p>
+            <a:endParaRPr lang="en-US" sz="3200" dirty="0">
+              <a:solidFill>
+                <a:schemeClr val="accent2"/>
+              </a:solidFill>
+            </a:endParaRPr>
+          </a:p>
+        </p:txBody>
+      </p:sp>
+      <p:sp>
+        <p:nvSpPr>
+          <p:cNvPr id="5" name="TextBox 4">
+            <a:extLst>
+              <a:ext uri="{FF2B5EF4-FFF2-40B4-BE49-F238E27FC236}">
+                <a16:creationId xmlns:a16="http://schemas.microsoft.com/office/drawing/2014/main" id="{56643FDA-E3C9-C56C-2294-F974CADE646D}"/>
+              </a:ext>
+            </a:extLst>
+          </p:cNvPr>
+          <p:cNvSpPr txBox="1"/>
+          <p:nvPr/>
+        </p:nvSpPr>
+        <p:spPr>
+          <a:xfrm>
+            <a:off x="5955632" y="745165"/>
+            <a:ext cx="5933034" cy="5878532"/>
+          </a:xfrm>
+          <a:prstGeom prst="rect">
+            <a:avLst/>
+          </a:prstGeom>
+          <a:noFill/>
+        </p:spPr>
+        <p:txBody>
+          <a:bodyPr wrap="none" rtlCol="0">
+            <a:spAutoFit/>
+          </a:bodyPr>
+          <a:lstStyle/>
+          <a:p>
+            <a:r>
+              <a:rPr lang="en-US" sz="3400" b="1" dirty="0">
+                <a:solidFill>
+                  <a:srgbClr val="FFD6AD"/>
+                </a:solidFill>
+                <a:latin typeface="Courier New" panose="02070309020205020404" pitchFamily="49" charset="0"/>
+                <a:cs typeface="Courier New" panose="02070309020205020404" pitchFamily="49" charset="0"/>
+              </a:rPr>
+              <a:t>name</a:t>
+            </a:r>
+            <a:r>
+              <a:rPr lang="en-US" sz="3400" b="1" dirty="0">
+                <a:solidFill>
+                  <a:srgbClr val="00FF00"/>
+                </a:solidFill>
+                <a:latin typeface="Courier New" panose="02070309020205020404" pitchFamily="49" charset="0"/>
+                <a:cs typeface="Courier New" panose="02070309020205020404" pitchFamily="49" charset="0"/>
+              </a:rPr>
+              <a:t> = ‘</a:t>
+            </a:r>
+            <a:r>
+              <a:rPr lang="en-US" sz="3400" b="1" dirty="0">
+                <a:solidFill>
+                  <a:srgbClr val="FFD6AD"/>
+                </a:solidFill>
+                <a:latin typeface="Courier New" panose="02070309020205020404" pitchFamily="49" charset="0"/>
+                <a:cs typeface="Courier New" panose="02070309020205020404" pitchFamily="49" charset="0"/>
+              </a:rPr>
+              <a:t>Sebastian</a:t>
+            </a:r>
+            <a:r>
+              <a:rPr lang="en-US" sz="3400" b="1" dirty="0">
+                <a:solidFill>
+                  <a:srgbClr val="00FF00"/>
+                </a:solidFill>
+                <a:latin typeface="Courier New" panose="02070309020205020404" pitchFamily="49" charset="0"/>
+                <a:cs typeface="Courier New" panose="02070309020205020404" pitchFamily="49" charset="0"/>
+              </a:rPr>
+              <a:t>’</a:t>
+            </a:r>
+          </a:p>
+          <a:p>
+            <a:endParaRPr lang="en-US" sz="3400" b="1" dirty="0">
+              <a:solidFill>
+                <a:srgbClr val="00FF00"/>
+              </a:solidFill>
+              <a:latin typeface="Courier New" panose="02070309020205020404" pitchFamily="49" charset="0"/>
+              <a:cs typeface="Courier New" panose="02070309020205020404" pitchFamily="49" charset="0"/>
+            </a:endParaRPr>
+          </a:p>
+          <a:p>
+            <a:r>
+              <a:rPr lang="en-US" sz="3400" b="1" dirty="0">
+                <a:solidFill>
+                  <a:srgbClr val="00FF00"/>
+                </a:solidFill>
+                <a:latin typeface="Courier New" panose="02070309020205020404" pitchFamily="49" charset="0"/>
+                <a:cs typeface="Courier New" panose="02070309020205020404" pitchFamily="49" charset="0"/>
+              </a:rPr>
+              <a:t>for </a:t>
+            </a:r>
+            <a:r>
+              <a:rPr lang="en-US" sz="3400" b="1" dirty="0">
+                <a:solidFill>
+                  <a:schemeClr val="accent6">
+                    <a:lumMod val="40000"/>
+                    <a:lumOff val="60000"/>
+                  </a:schemeClr>
+                </a:solidFill>
+                <a:latin typeface="Courier New" panose="02070309020205020404" pitchFamily="49" charset="0"/>
+                <a:cs typeface="Courier New" panose="02070309020205020404" pitchFamily="49" charset="0"/>
+              </a:rPr>
+              <a:t>character</a:t>
+            </a:r>
+            <a:r>
+              <a:rPr lang="en-US" sz="3400" b="1" dirty="0">
+                <a:solidFill>
+                  <a:srgbClr val="00FF00"/>
+                </a:solidFill>
+                <a:latin typeface="Courier New" panose="02070309020205020404" pitchFamily="49" charset="0"/>
+                <a:cs typeface="Courier New" panose="02070309020205020404" pitchFamily="49" charset="0"/>
+              </a:rPr>
+              <a:t> in </a:t>
+            </a:r>
+            <a:r>
+              <a:rPr lang="en-US" sz="3400" b="1" dirty="0">
+                <a:solidFill>
+                  <a:schemeClr val="accent6">
+                    <a:lumMod val="40000"/>
+                    <a:lumOff val="60000"/>
+                  </a:schemeClr>
+                </a:solidFill>
+                <a:latin typeface="Courier New" panose="02070309020205020404" pitchFamily="49" charset="0"/>
+                <a:cs typeface="Courier New" panose="02070309020205020404" pitchFamily="49" charset="0"/>
+              </a:rPr>
+              <a:t>name</a:t>
+            </a:r>
+            <a:r>
+              <a:rPr lang="en-US" sz="3400" b="1" dirty="0">
+                <a:solidFill>
+                  <a:srgbClr val="00FF00"/>
+                </a:solidFill>
+                <a:latin typeface="Courier New" panose="02070309020205020404" pitchFamily="49" charset="0"/>
+                <a:cs typeface="Courier New" panose="02070309020205020404" pitchFamily="49" charset="0"/>
+              </a:rPr>
+              <a:t>:</a:t>
+            </a:r>
+          </a:p>
+          <a:p>
+            <a:r>
+              <a:rPr lang="en-US" sz="3400" b="1" dirty="0">
+                <a:solidFill>
+                  <a:srgbClr val="00FF00"/>
+                </a:solidFill>
+                <a:latin typeface="Courier New" panose="02070309020205020404" pitchFamily="49" charset="0"/>
+                <a:cs typeface="Courier New" panose="02070309020205020404" pitchFamily="49" charset="0"/>
+              </a:rPr>
+              <a:t>	print(</a:t>
+            </a:r>
+            <a:r>
+              <a:rPr lang="en-US" sz="3400" b="1" dirty="0">
+                <a:solidFill>
+                  <a:schemeClr val="accent6">
+                    <a:lumMod val="40000"/>
+                    <a:lumOff val="60000"/>
+                  </a:schemeClr>
+                </a:solidFill>
+                <a:latin typeface="Courier New" panose="02070309020205020404" pitchFamily="49" charset="0"/>
+                <a:cs typeface="Courier New" panose="02070309020205020404" pitchFamily="49" charset="0"/>
+              </a:rPr>
+              <a:t>character</a:t>
+            </a:r>
+            <a:r>
+              <a:rPr lang="en-US" sz="3400" b="1" dirty="0">
+                <a:solidFill>
+                  <a:srgbClr val="00FF00"/>
+                </a:solidFill>
+                <a:latin typeface="Courier New" panose="02070309020205020404" pitchFamily="49" charset="0"/>
+                <a:cs typeface="Courier New" panose="02070309020205020404" pitchFamily="49" charset="0"/>
+              </a:rPr>
+              <a:t>)</a:t>
+            </a:r>
+          </a:p>
+          <a:p>
+            <a:endParaRPr lang="en-US" sz="3400" b="1" dirty="0">
+              <a:solidFill>
+                <a:srgbClr val="00FF00"/>
+              </a:solidFill>
+              <a:latin typeface="Courier New" panose="02070309020205020404" pitchFamily="49" charset="0"/>
+              <a:cs typeface="Courier New" panose="02070309020205020404" pitchFamily="49" charset="0"/>
+            </a:endParaRPr>
+          </a:p>
+          <a:p>
+            <a:r>
+              <a:rPr lang="en-US" sz="3400" b="1" dirty="0">
+                <a:solidFill>
+                  <a:srgbClr val="00FF00"/>
+                </a:solidFill>
+                <a:latin typeface="Courier New" panose="02070309020205020404" pitchFamily="49" charset="0"/>
+                <a:cs typeface="Courier New" panose="02070309020205020404" pitchFamily="49" charset="0"/>
+              </a:rPr>
+              <a:t>print(</a:t>
+            </a:r>
+            <a:r>
+              <a:rPr lang="en-US" sz="3400" b="1" dirty="0">
+                <a:solidFill>
+                  <a:schemeClr val="accent6">
+                    <a:lumMod val="40000"/>
+                    <a:lumOff val="60000"/>
+                  </a:schemeClr>
+                </a:solidFill>
+                <a:latin typeface="Courier New" panose="02070309020205020404" pitchFamily="49" charset="0"/>
+                <a:cs typeface="Courier New" panose="02070309020205020404" pitchFamily="49" charset="0"/>
+              </a:rPr>
+              <a:t>character</a:t>
+            </a:r>
+            <a:r>
+              <a:rPr lang="en-US" sz="3400" b="1" dirty="0">
+                <a:solidFill>
+                  <a:srgbClr val="00FF00"/>
+                </a:solidFill>
+                <a:latin typeface="Courier New" panose="02070309020205020404" pitchFamily="49" charset="0"/>
+                <a:cs typeface="Courier New" panose="02070309020205020404" pitchFamily="49" charset="0"/>
+              </a:rPr>
+              <a:t>)</a:t>
+            </a:r>
+          </a:p>
+          <a:p>
+            <a:endParaRPr lang="en-US" sz="3400" b="1" dirty="0">
+              <a:solidFill>
+                <a:srgbClr val="00FF00"/>
+              </a:solidFill>
+              <a:latin typeface="Courier New" panose="02070309020205020404" pitchFamily="49" charset="0"/>
+              <a:cs typeface="Courier New" panose="02070309020205020404" pitchFamily="49" charset="0"/>
+            </a:endParaRPr>
+          </a:p>
+          <a:p>
+            <a:r>
+              <a:rPr lang="en-US" b="1" dirty="0">
+                <a:solidFill>
+                  <a:srgbClr val="00FF00"/>
+                </a:solidFill>
+                <a:latin typeface="Courier New" panose="02070309020205020404" pitchFamily="49" charset="0"/>
+                <a:cs typeface="Courier New" panose="02070309020205020404" pitchFamily="49" charset="0"/>
+              </a:rPr>
+              <a:t>Output:</a:t>
+            </a:r>
+          </a:p>
+          <a:p>
+            <a:r>
+              <a:rPr lang="en-US" sz="1200" b="1" dirty="0">
+                <a:solidFill>
+                  <a:srgbClr val="00FF00"/>
+                </a:solidFill>
+                <a:latin typeface="Courier New" panose="02070309020205020404" pitchFamily="49" charset="0"/>
+                <a:cs typeface="Courier New" panose="02070309020205020404" pitchFamily="49" charset="0"/>
+              </a:rPr>
+              <a:t>S</a:t>
+            </a:r>
+          </a:p>
+          <a:p>
+            <a:r>
+              <a:rPr lang="en-US" sz="1200" b="1" dirty="0">
+                <a:solidFill>
+                  <a:srgbClr val="00FF00"/>
+                </a:solidFill>
+                <a:latin typeface="Courier New" panose="02070309020205020404" pitchFamily="49" charset="0"/>
+                <a:cs typeface="Courier New" panose="02070309020205020404" pitchFamily="49" charset="0"/>
+              </a:rPr>
+              <a:t>e</a:t>
+            </a:r>
+          </a:p>
+          <a:p>
+            <a:r>
+              <a:rPr lang="en-US" sz="1200" b="1" dirty="0">
+                <a:solidFill>
+                  <a:srgbClr val="00FF00"/>
+                </a:solidFill>
+                <a:latin typeface="Courier New" panose="02070309020205020404" pitchFamily="49" charset="0"/>
+                <a:cs typeface="Courier New" panose="02070309020205020404" pitchFamily="49" charset="0"/>
+              </a:rPr>
+              <a:t>b</a:t>
+            </a:r>
+          </a:p>
+          <a:p>
+            <a:r>
+              <a:rPr lang="en-US" sz="1200" b="1" dirty="0">
+                <a:solidFill>
+                  <a:srgbClr val="00FF00"/>
+                </a:solidFill>
+                <a:latin typeface="Courier New" panose="02070309020205020404" pitchFamily="49" charset="0"/>
+                <a:cs typeface="Courier New" panose="02070309020205020404" pitchFamily="49" charset="0"/>
+              </a:rPr>
+              <a:t>a</a:t>
+            </a:r>
+          </a:p>
+          <a:p>
+            <a:r>
+              <a:rPr lang="en-US" sz="1200" b="1" dirty="0">
+                <a:solidFill>
+                  <a:srgbClr val="00FF00"/>
+                </a:solidFill>
+                <a:latin typeface="Courier New" panose="02070309020205020404" pitchFamily="49" charset="0"/>
+                <a:cs typeface="Courier New" panose="02070309020205020404" pitchFamily="49" charset="0"/>
+              </a:rPr>
+              <a:t>s</a:t>
+            </a:r>
+          </a:p>
+          <a:p>
+            <a:r>
+              <a:rPr lang="en-US" sz="1200" b="1" dirty="0">
+                <a:solidFill>
+                  <a:srgbClr val="00FF00"/>
+                </a:solidFill>
+                <a:latin typeface="Courier New" panose="02070309020205020404" pitchFamily="49" charset="0"/>
+                <a:cs typeface="Courier New" panose="02070309020205020404" pitchFamily="49" charset="0"/>
+              </a:rPr>
+              <a:t>t</a:t>
+            </a:r>
+          </a:p>
+          <a:p>
+            <a:r>
+              <a:rPr lang="en-US" sz="1200" b="1" dirty="0">
+                <a:solidFill>
+                  <a:srgbClr val="00FF00"/>
+                </a:solidFill>
+                <a:latin typeface="Courier New" panose="02070309020205020404" pitchFamily="49" charset="0"/>
+                <a:cs typeface="Courier New" panose="02070309020205020404" pitchFamily="49" charset="0"/>
+              </a:rPr>
+              <a:t>i</a:t>
+            </a:r>
+          </a:p>
+          <a:p>
+            <a:r>
+              <a:rPr lang="en-US" sz="1200" b="1" dirty="0">
+                <a:solidFill>
+                  <a:srgbClr val="00FF00"/>
+                </a:solidFill>
+                <a:latin typeface="Courier New" panose="02070309020205020404" pitchFamily="49" charset="0"/>
+                <a:cs typeface="Courier New" panose="02070309020205020404" pitchFamily="49" charset="0"/>
+              </a:rPr>
+              <a:t>a</a:t>
+            </a:r>
+          </a:p>
+          <a:p>
+            <a:r>
+              <a:rPr lang="en-US" sz="1200" b="1" dirty="0">
+                <a:solidFill>
+                  <a:srgbClr val="00FF00"/>
+                </a:solidFill>
+                <a:latin typeface="Courier New" panose="02070309020205020404" pitchFamily="49" charset="0"/>
+                <a:cs typeface="Courier New" panose="02070309020205020404" pitchFamily="49" charset="0"/>
+              </a:rPr>
+              <a:t>n</a:t>
+            </a:r>
+          </a:p>
+          <a:p>
+            <a:r>
+              <a:rPr lang="en-US" sz="1200" b="1" dirty="0">
+                <a:solidFill>
+                  <a:srgbClr val="00FF00"/>
+                </a:solidFill>
+                <a:latin typeface="Courier New" panose="02070309020205020404" pitchFamily="49" charset="0"/>
+                <a:cs typeface="Courier New" panose="02070309020205020404" pitchFamily="49" charset="0"/>
+              </a:rPr>
+              <a:t>n</a:t>
+            </a:r>
+          </a:p>
+        </p:txBody>
+      </p:sp>
+      <p:sp>
+        <p:nvSpPr>
+          <p:cNvPr id="4" name="TextBox 3">
+            <a:extLst>
+              <a:ext uri="{FF2B5EF4-FFF2-40B4-BE49-F238E27FC236}">
+                <a16:creationId xmlns:a16="http://schemas.microsoft.com/office/drawing/2014/main" id="{9F267529-175B-C626-A665-EF05098BF85F}"/>
+              </a:ext>
+            </a:extLst>
+          </p:cNvPr>
+          <p:cNvSpPr txBox="1"/>
+          <p:nvPr/>
+        </p:nvSpPr>
+        <p:spPr>
+          <a:xfrm>
+            <a:off x="660728" y="5077633"/>
+            <a:ext cx="3769687" cy="1569660"/>
+          </a:xfrm>
+          <a:prstGeom prst="rect">
+            <a:avLst/>
+          </a:prstGeom>
+          <a:noFill/>
+        </p:spPr>
+        <p:txBody>
+          <a:bodyPr wrap="square" rtlCol="0">
+            <a:spAutoFit/>
+          </a:bodyPr>
+          <a:lstStyle/>
+          <a:p>
+            <a:r>
+              <a:rPr lang="en-US" sz="3200" b="1" dirty="0">
+                <a:solidFill>
+                  <a:schemeClr val="accent6">
+                    <a:lumMod val="40000"/>
+                    <a:lumOff val="60000"/>
+                  </a:schemeClr>
+                </a:solidFill>
+                <a:latin typeface="Courier New" panose="02070309020205020404" pitchFamily="49" charset="0"/>
+                <a:cs typeface="Courier New" panose="02070309020205020404" pitchFamily="49" charset="0"/>
+              </a:rPr>
+              <a:t>character</a:t>
+            </a:r>
+            <a:r>
+              <a:rPr lang="en-US" sz="3200" dirty="0">
+                <a:solidFill>
+                  <a:srgbClr val="FFFFFF"/>
+                </a:solidFill>
+              </a:rPr>
+              <a:t> holds the value of the last item in the </a:t>
+            </a:r>
+            <a:r>
+              <a:rPr lang="en-US" sz="3200" dirty="0" err="1">
+                <a:solidFill>
+                  <a:srgbClr val="FFFFFF"/>
+                </a:solidFill>
+              </a:rPr>
+              <a:t>iterable</a:t>
+            </a:r>
+            <a:r>
+              <a:rPr lang="en-US" sz="3200" dirty="0">
+                <a:solidFill>
+                  <a:srgbClr val="00FF00"/>
+                </a:solidFill>
+              </a:rPr>
+              <a:t>.</a:t>
+            </a:r>
+          </a:p>
+        </p:txBody>
+      </p:sp>
+      <p:sp>
+        <p:nvSpPr>
+          <p:cNvPr id="6" name="Arrow: Right 5">
+            <a:extLst>
+              <a:ext uri="{FF2B5EF4-FFF2-40B4-BE49-F238E27FC236}">
+                <a16:creationId xmlns:a16="http://schemas.microsoft.com/office/drawing/2014/main" id="{9F27F8E9-C933-8C59-CF6E-56A3BF7E1D04}"/>
+              </a:ext>
+            </a:extLst>
+          </p:cNvPr>
+          <p:cNvSpPr/>
+          <p:nvPr/>
+        </p:nvSpPr>
+        <p:spPr>
+          <a:xfrm>
+            <a:off x="4395019" y="6307114"/>
+            <a:ext cx="1560613" cy="252394"/>
+          </a:xfrm>
+          <a:prstGeom prst="rightArrow">
+            <a:avLst/>
+          </a:prstGeom>
+          <a:solidFill>
+            <a:srgbClr val="FFC000"/>
+          </a:solidFill>
+          <a:ln>
+            <a:noFill/>
+          </a:ln>
+        </p:spPr>
+        <p:style>
+          <a:lnRef idx="2">
+            <a:schemeClr val="accent1">
+              <a:shade val="15000"/>
+            </a:schemeClr>
+          </a:lnRef>
+          <a:fillRef idx="1">
+            <a:schemeClr val="accent1"/>
+          </a:fillRef>
+          <a:effectRef idx="0">
+            <a:schemeClr val="accent1"/>
+          </a:effectRef>
+          <a:fontRef idx="minor">
+            <a:schemeClr val="lt1"/>
+          </a:fontRef>
+        </p:style>
+        <p:txBody>
+          <a:bodyPr rtlCol="0" anchor="ctr"/>
+          <a:lstStyle/>
+          <a:p>
+            <a:pPr algn="ctr"/>
+            <a:endParaRPr lang="en-US"/>
+          </a:p>
+        </p:txBody>
+      </p:sp>
+    </p:spTree>
+    <p:extLst>
+      <p:ext uri="{BB962C8B-B14F-4D97-AF65-F5344CB8AC3E}">
+        <p14:creationId xmlns:p14="http://schemas.microsoft.com/office/powerpoint/2010/main" val="1654147314"/>
+      </p:ext>
+    </p:extLst>
+  </p:cSld>
+  <p:clrMapOvr>
+    <a:masterClrMapping/>
+  </p:clrMapOvr>
+</p:sld>
+</file>
+
+<file path=ppt/slides/slide21.xml><?xml version="1.0" encoding="utf-8"?>
+<p:sld xmlns:a="http://schemas.openxmlformats.org/drawingml/2006/main" xmlns:r="http://schemas.openxmlformats.org/officeDocument/2006/relationships" xmlns:p="http://schemas.openxmlformats.org/presentationml/2006/main">
+  <p:cSld>
+    <p:spTree>
+      <p:nvGrpSpPr>
         <p:cNvPr id="1" name=""/>
         <p:cNvGrpSpPr/>
         <p:nvPr/>
@@ -6900,7 +8042,7 @@
 </p:sld>
 </file>
 
-<file path=ppt/slides/slide2.xml><?xml version="1.0" encoding="utf-8"?>
+<file path=ppt/slides/slide22.xml><?xml version="1.0" encoding="utf-8"?>
 <p:sld xmlns:a="http://schemas.openxmlformats.org/drawingml/2006/main" xmlns:r="http://schemas.openxmlformats.org/officeDocument/2006/relationships" xmlns:p="http://schemas.openxmlformats.org/presentationml/2006/main">
   <p:cSld>
     <p:spTree>
@@ -6922,203 +8064,6 @@
           <p:cNvPr id="2" name="Title 1">
             <a:extLst>
               <a:ext uri="{FF2B5EF4-FFF2-40B4-BE49-F238E27FC236}">
-                <a16:creationId xmlns:a16="http://schemas.microsoft.com/office/drawing/2014/main" id="{8969A57B-21DC-4557-9D2E-36BBF1E923C9}"/>
-              </a:ext>
-            </a:extLst>
-          </p:cNvPr>
-          <p:cNvSpPr>
-            <a:spLocks noGrp="1"/>
-          </p:cNvSpPr>
-          <p:nvPr>
-            <p:ph type="title"/>
-          </p:nvPr>
-        </p:nvSpPr>
-        <p:spPr/>
-        <p:txBody>
-          <a:bodyPr>
-            <a:normAutofit fontScale="90000"/>
-          </a:bodyPr>
-          <a:lstStyle/>
-          <a:p>
-            <a:r>
-              <a:rPr lang="en-US" b="1" dirty="0"/>
-              <a:t>This Week</a:t>
-            </a:r>
-            <a:r>
-              <a:rPr lang="en-US" b="1" dirty="0">
-                <a:solidFill>
-                  <a:schemeClr val="accent1"/>
-                </a:solidFill>
-              </a:rPr>
-              <a:t>’</a:t>
-            </a:r>
-            <a:r>
-              <a:rPr lang="en-US" b="1" dirty="0"/>
-              <a:t>s Content</a:t>
-            </a:r>
-          </a:p>
-        </p:txBody>
-      </p:sp>
-      <p:sp>
-        <p:nvSpPr>
-          <p:cNvPr id="3" name="Content Placeholder 2">
-            <a:extLst>
-              <a:ext uri="{FF2B5EF4-FFF2-40B4-BE49-F238E27FC236}">
-                <a16:creationId xmlns:a16="http://schemas.microsoft.com/office/drawing/2014/main" id="{7AB50049-8F6C-4DF3-BA59-31343B218CF3}"/>
-              </a:ext>
-            </a:extLst>
-          </p:cNvPr>
-          <p:cNvSpPr>
-            <a:spLocks noGrp="1"/>
-          </p:cNvSpPr>
-          <p:nvPr>
-            <p:ph idx="1"/>
-          </p:nvPr>
-        </p:nvSpPr>
-        <p:spPr/>
-        <p:txBody>
-          <a:bodyPr/>
-          <a:lstStyle/>
-          <a:p>
-            <a:r>
-              <a:rPr lang="en-US" b="1" dirty="0"/>
-              <a:t>Lecture </a:t>
-            </a:r>
-            <a:r>
-              <a:rPr lang="en-US" b="1" dirty="0">
-                <a:solidFill>
-                  <a:schemeClr val="accent1"/>
-                </a:solidFill>
-              </a:rPr>
-              <a:t>6.1</a:t>
-            </a:r>
-          </a:p>
-          <a:p>
-            <a:pPr lvl="1"/>
-            <a:r>
-              <a:rPr lang="en-US" b="1" dirty="0">
-                <a:solidFill>
-                  <a:schemeClr val="accent6"/>
-                </a:solidFill>
-              </a:rPr>
-              <a:t>for </a:t>
-            </a:r>
-            <a:r>
-              <a:rPr lang="en-US" b="1" dirty="0"/>
-              <a:t>loops</a:t>
-            </a:r>
-          </a:p>
-          <a:p>
-            <a:r>
-              <a:rPr lang="en-US" b="1" dirty="0"/>
-              <a:t>Lecture </a:t>
-            </a:r>
-            <a:r>
-              <a:rPr lang="en-US" b="1" dirty="0">
-                <a:solidFill>
-                  <a:schemeClr val="accent1"/>
-                </a:solidFill>
-              </a:rPr>
-              <a:t>6.2</a:t>
-            </a:r>
-          </a:p>
-          <a:p>
-            <a:pPr lvl="1"/>
-            <a:r>
-              <a:rPr lang="en-US" dirty="0">
-                <a:solidFill>
-                  <a:schemeClr val="accent6"/>
-                </a:solidFill>
-              </a:rPr>
-              <a:t>for </a:t>
-            </a:r>
-            <a:r>
-              <a:rPr lang="en-US" dirty="0"/>
-              <a:t>loops on indices</a:t>
-            </a:r>
-            <a:r>
-              <a:rPr lang="en-US" dirty="0">
-                <a:solidFill>
-                  <a:schemeClr val="accent2"/>
-                </a:solidFill>
-              </a:rPr>
-              <a:t>,</a:t>
-            </a:r>
-            <a:r>
-              <a:rPr lang="en-US" dirty="0"/>
-              <a:t> nested loops</a:t>
-            </a:r>
-          </a:p>
-          <a:p>
-            <a:r>
-              <a:rPr lang="en-US" b="1" dirty="0"/>
-              <a:t>Lecture </a:t>
-            </a:r>
-            <a:r>
-              <a:rPr lang="en-US" b="1" dirty="0">
-                <a:solidFill>
-                  <a:schemeClr val="accent1"/>
-                </a:solidFill>
-              </a:rPr>
-              <a:t>6.3</a:t>
-            </a:r>
-          </a:p>
-          <a:p>
-            <a:pPr lvl="1"/>
-            <a:r>
-              <a:rPr lang="en-US" dirty="0"/>
-              <a:t>Design Problem</a:t>
-            </a:r>
-            <a:r>
-              <a:rPr lang="en-US" dirty="0">
-                <a:solidFill>
-                  <a:schemeClr val="accent1"/>
-                </a:solidFill>
-              </a:rPr>
-              <a:t>:</a:t>
-            </a:r>
-            <a:r>
-              <a:rPr lang="en-US" dirty="0"/>
-              <a:t> Cryptography</a:t>
-            </a:r>
-          </a:p>
-        </p:txBody>
-      </p:sp>
-    </p:spTree>
-    <p:extLst>
-      <p:ext uri="{BB962C8B-B14F-4D97-AF65-F5344CB8AC3E}">
-        <p14:creationId xmlns:p14="http://schemas.microsoft.com/office/powerpoint/2010/main" val="2832463924"/>
-      </p:ext>
-    </p:extLst>
-  </p:cSld>
-  <p:clrMapOvr>
-    <a:masterClrMapping/>
-  </p:clrMapOvr>
-</p:sld>
-</file>
-
-<file path=ppt/slides/slide20.xml><?xml version="1.0" encoding="utf-8"?>
-<p:sld xmlns:a="http://schemas.openxmlformats.org/drawingml/2006/main" xmlns:r="http://schemas.openxmlformats.org/officeDocument/2006/relationships" xmlns:p="http://schemas.openxmlformats.org/presentationml/2006/main">
-  <p:cSld>
-    <p:spTree>
-      <p:nvGrpSpPr>
-        <p:cNvPr id="1" name=""/>
-        <p:cNvGrpSpPr/>
-        <p:nvPr/>
-      </p:nvGrpSpPr>
-      <p:grpSpPr>
-        <a:xfrm>
-          <a:off x="0" y="0"/>
-          <a:ext cx="0" cy="0"/>
-          <a:chOff x="0" y="0"/>
-          <a:chExt cx="0" cy="0"/>
-        </a:xfrm>
-      </p:grpSpPr>
-      <p:sp>
-        <p:nvSpPr>
-          <p:cNvPr id="2" name="Title 1">
-            <a:extLst>
-              <a:ext uri="{FF2B5EF4-FFF2-40B4-BE49-F238E27FC236}">
                 <a16:creationId xmlns:a16="http://schemas.microsoft.com/office/drawing/2014/main" id="{6893B711-0E83-4839-B9C4-EBE47B8BD950}"/>
               </a:ext>
             </a:extLst>
@@ -7434,7 +8379,7 @@
 </p:sld>
 </file>
 
-<file path=ppt/slides/slide21.xml><?xml version="1.0" encoding="utf-8"?>
+<file path=ppt/slides/slide23.xml><?xml version="1.0" encoding="utf-8"?>
 <p:sld xmlns:a="http://schemas.openxmlformats.org/drawingml/2006/main" xmlns:r="http://schemas.openxmlformats.org/officeDocument/2006/relationships" xmlns:p="http://schemas.openxmlformats.org/presentationml/2006/main">
   <p:cSld>
     <p:spTree>
@@ -7881,7 +8826,7 @@
 </p:sld>
 </file>
 
-<file path=ppt/slides/slide22.xml><?xml version="1.0" encoding="utf-8"?>
+<file path=ppt/slides/slide24.xml><?xml version="1.0" encoding="utf-8"?>
 <p:sld xmlns:a="http://schemas.openxmlformats.org/drawingml/2006/main" xmlns:r="http://schemas.openxmlformats.org/officeDocument/2006/relationships" xmlns:p="http://schemas.openxmlformats.org/presentationml/2006/main">
   <p:cSld>
     <p:spTree>
@@ -8208,7 +9153,7 @@
 </p:sld>
 </file>
 
-<file path=ppt/slides/slide23.xml><?xml version="1.0" encoding="utf-8"?>
+<file path=ppt/slides/slide25.xml><?xml version="1.0" encoding="utf-8"?>
 <p:sld xmlns:a="http://schemas.openxmlformats.org/drawingml/2006/main" xmlns:r="http://schemas.openxmlformats.org/officeDocument/2006/relationships" xmlns:p="http://schemas.openxmlformats.org/presentationml/2006/main">
   <p:cSld>
     <p:spTree>
@@ -8809,7 +9754,7 @@
 </p:sld>
 </file>
 
-<file path=ppt/slides/slide24.xml><?xml version="1.0" encoding="utf-8"?>
+<file path=ppt/slides/slide26.xml><?xml version="1.0" encoding="utf-8"?>
 <p:sld xmlns:a="http://schemas.openxmlformats.org/drawingml/2006/main" xmlns:r="http://schemas.openxmlformats.org/officeDocument/2006/relationships" xmlns:p="http://schemas.openxmlformats.org/presentationml/2006/main">
   <p:cSld>
     <p:spTree>
@@ -9315,7 +10260,7 @@
 </p:sld>
 </file>
 
-<file path=ppt/slides/slide25.xml><?xml version="1.0" encoding="utf-8"?>
+<file path=ppt/slides/slide27.xml><?xml version="1.0" encoding="utf-8"?>
 <p:sld xmlns:a="http://schemas.openxmlformats.org/drawingml/2006/main" xmlns:r="http://schemas.openxmlformats.org/officeDocument/2006/relationships" xmlns:p="http://schemas.openxmlformats.org/presentationml/2006/main">
   <p:cSld>
     <p:spTree>
@@ -9785,648 +10730,6 @@
 </p:sld>
 </file>
 
-<file path=ppt/slides/slide26.xml><?xml version="1.0" encoding="utf-8"?>
-<p:sld xmlns:a="http://schemas.openxmlformats.org/drawingml/2006/main" xmlns:r="http://schemas.openxmlformats.org/officeDocument/2006/relationships" xmlns:p="http://schemas.openxmlformats.org/presentationml/2006/main">
-  <p:cSld>
-    <p:spTree>
-      <p:nvGrpSpPr>
-        <p:cNvPr id="1" name=""/>
-        <p:cNvGrpSpPr/>
-        <p:nvPr/>
-      </p:nvGrpSpPr>
-      <p:grpSpPr>
-        <a:xfrm>
-          <a:off x="0" y="0"/>
-          <a:ext cx="0" cy="0"/>
-          <a:chOff x="0" y="0"/>
-          <a:chExt cx="0" cy="0"/>
-        </a:xfrm>
-      </p:grpSpPr>
-      <p:sp>
-        <p:nvSpPr>
-          <p:cNvPr id="8" name="TextBox 7">
-            <a:extLst>
-              <a:ext uri="{FF2B5EF4-FFF2-40B4-BE49-F238E27FC236}">
-                <a16:creationId xmlns:a16="http://schemas.microsoft.com/office/drawing/2014/main" id="{C8562EBF-756B-4824-9356-949FB0D699F5}"/>
-              </a:ext>
-            </a:extLst>
-          </p:cNvPr>
-          <p:cNvSpPr txBox="1"/>
-          <p:nvPr/>
-        </p:nvSpPr>
-        <p:spPr>
-          <a:xfrm>
-            <a:off x="167294" y="1199555"/>
-            <a:ext cx="5769528" cy="2677656"/>
-          </a:xfrm>
-          <a:prstGeom prst="rect">
-            <a:avLst/>
-          </a:prstGeom>
-          <a:noFill/>
-        </p:spPr>
-        <p:txBody>
-          <a:bodyPr wrap="none" rtlCol="0">
-            <a:spAutoFit/>
-          </a:bodyPr>
-          <a:lstStyle/>
-          <a:p>
-            <a:r>
-              <a:rPr lang="en-US" sz="2800" b="1" dirty="0">
-                <a:solidFill>
-                  <a:srgbClr val="FFD6AD"/>
-                </a:solidFill>
-                <a:latin typeface="Courier New" panose="02070309020205020404" pitchFamily="49" charset="0"/>
-                <a:cs typeface="Courier New" panose="02070309020205020404" pitchFamily="49" charset="0"/>
-              </a:rPr>
-              <a:t>i = 0</a:t>
-            </a:r>
-          </a:p>
-          <a:p>
-            <a:r>
-              <a:rPr lang="en-US" sz="2800" b="1" dirty="0">
-                <a:solidFill>
-                  <a:srgbClr val="FFD6AD"/>
-                </a:solidFill>
-                <a:latin typeface="Courier New" panose="02070309020205020404" pitchFamily="49" charset="0"/>
-                <a:cs typeface="Courier New" panose="02070309020205020404" pitchFamily="49" charset="0"/>
-              </a:rPr>
-              <a:t>counter = 0</a:t>
-            </a:r>
-          </a:p>
-          <a:p>
-            <a:r>
-              <a:rPr lang="en-US" sz="2800" b="1" dirty="0">
-                <a:solidFill>
-                  <a:srgbClr val="FFD6AD"/>
-                </a:solidFill>
-                <a:latin typeface="Courier New" panose="02070309020205020404" pitchFamily="49" charset="0"/>
-                <a:cs typeface="Courier New" panose="02070309020205020404" pitchFamily="49" charset="0"/>
-              </a:rPr>
-              <a:t>while i &lt; len(chrome_4):</a:t>
-            </a:r>
-          </a:p>
-          <a:p>
-            <a:r>
-              <a:rPr lang="en-US" sz="2800" b="1" dirty="0">
-                <a:solidFill>
-                  <a:srgbClr val="FFD6AD"/>
-                </a:solidFill>
-                <a:latin typeface="Courier New" panose="02070309020205020404" pitchFamily="49" charset="0"/>
-                <a:cs typeface="Courier New" panose="02070309020205020404" pitchFamily="49" charset="0"/>
-              </a:rPr>
-              <a:t>    if chrome_4[i] == 'A':</a:t>
-            </a:r>
-          </a:p>
-          <a:p>
-            <a:r>
-              <a:rPr lang="en-US" sz="2800" b="1" dirty="0">
-                <a:solidFill>
-                  <a:srgbClr val="FFD6AD"/>
-                </a:solidFill>
-                <a:latin typeface="Courier New" panose="02070309020205020404" pitchFamily="49" charset="0"/>
-                <a:cs typeface="Courier New" panose="02070309020205020404" pitchFamily="49" charset="0"/>
-              </a:rPr>
-              <a:t>        counter += 1</a:t>
-            </a:r>
-          </a:p>
-          <a:p>
-            <a:r>
-              <a:rPr lang="en-US" sz="2800" b="1" dirty="0">
-                <a:solidFill>
-                  <a:srgbClr val="FFD6AD"/>
-                </a:solidFill>
-                <a:latin typeface="Courier New" panose="02070309020205020404" pitchFamily="49" charset="0"/>
-                <a:cs typeface="Courier New" panose="02070309020205020404" pitchFamily="49" charset="0"/>
-              </a:rPr>
-              <a:t>    i += 1</a:t>
-            </a:r>
-          </a:p>
-        </p:txBody>
-      </p:sp>
-      <p:sp>
-        <p:nvSpPr>
-          <p:cNvPr id="9" name="TextBox 8">
-            <a:extLst>
-              <a:ext uri="{FF2B5EF4-FFF2-40B4-BE49-F238E27FC236}">
-                <a16:creationId xmlns:a16="http://schemas.microsoft.com/office/drawing/2014/main" id="{346C7AC3-970D-4D47-853E-5D0B48C8C8D6}"/>
-              </a:ext>
-            </a:extLst>
-          </p:cNvPr>
-          <p:cNvSpPr txBox="1"/>
-          <p:nvPr/>
-        </p:nvSpPr>
-        <p:spPr>
-          <a:xfrm>
-            <a:off x="6314184" y="1199555"/>
-            <a:ext cx="5769528" cy="1815882"/>
-          </a:xfrm>
-          <a:prstGeom prst="rect">
-            <a:avLst/>
-          </a:prstGeom>
-          <a:noFill/>
-        </p:spPr>
-        <p:txBody>
-          <a:bodyPr wrap="none" rtlCol="0">
-            <a:spAutoFit/>
-          </a:bodyPr>
-          <a:lstStyle/>
-          <a:p>
-            <a:r>
-              <a:rPr lang="en-US" sz="2800" b="1" dirty="0">
-                <a:solidFill>
-                  <a:srgbClr val="FFD6AD"/>
-                </a:solidFill>
-                <a:latin typeface="Courier New" panose="02070309020205020404" pitchFamily="49" charset="0"/>
-                <a:cs typeface="Courier New" panose="02070309020205020404" pitchFamily="49" charset="0"/>
-              </a:rPr>
-              <a:t>counter = 0</a:t>
-            </a:r>
-          </a:p>
-          <a:p>
-            <a:r>
-              <a:rPr lang="en-US" sz="2800" b="1" dirty="0">
-                <a:solidFill>
-                  <a:srgbClr val="FFD6AD"/>
-                </a:solidFill>
-                <a:latin typeface="Courier New" panose="02070309020205020404" pitchFamily="49" charset="0"/>
-                <a:cs typeface="Courier New" panose="02070309020205020404" pitchFamily="49" charset="0"/>
-              </a:rPr>
-              <a:t>for character in chrome_4:</a:t>
-            </a:r>
-          </a:p>
-          <a:p>
-            <a:r>
-              <a:rPr lang="en-US" sz="2800" b="1" dirty="0">
-                <a:solidFill>
-                  <a:srgbClr val="FFD6AD"/>
-                </a:solidFill>
-                <a:latin typeface="Courier New" panose="02070309020205020404" pitchFamily="49" charset="0"/>
-                <a:cs typeface="Courier New" panose="02070309020205020404" pitchFamily="49" charset="0"/>
-              </a:rPr>
-              <a:t>    if character == 'A':</a:t>
-            </a:r>
-          </a:p>
-          <a:p>
-            <a:r>
-              <a:rPr lang="en-US" sz="2800" b="1" dirty="0">
-                <a:solidFill>
-                  <a:srgbClr val="FFD6AD"/>
-                </a:solidFill>
-                <a:latin typeface="Courier New" panose="02070309020205020404" pitchFamily="49" charset="0"/>
-                <a:cs typeface="Courier New" panose="02070309020205020404" pitchFamily="49" charset="0"/>
-              </a:rPr>
-              <a:t>        counter += 1</a:t>
-            </a:r>
-          </a:p>
-        </p:txBody>
-      </p:sp>
-      <p:sp>
-        <p:nvSpPr>
-          <p:cNvPr id="10" name="TextBox 9">
-            <a:extLst>
-              <a:ext uri="{FF2B5EF4-FFF2-40B4-BE49-F238E27FC236}">
-                <a16:creationId xmlns:a16="http://schemas.microsoft.com/office/drawing/2014/main" id="{4DE79005-14E1-4EFB-93E0-4F247B713455}"/>
-              </a:ext>
-            </a:extLst>
-          </p:cNvPr>
-          <p:cNvSpPr txBox="1"/>
-          <p:nvPr/>
-        </p:nvSpPr>
-        <p:spPr>
-          <a:xfrm>
-            <a:off x="6319438" y="529384"/>
-            <a:ext cx="862737" cy="584775"/>
-          </a:xfrm>
-          <a:prstGeom prst="rect">
-            <a:avLst/>
-          </a:prstGeom>
-          <a:noFill/>
-        </p:spPr>
-        <p:txBody>
-          <a:bodyPr wrap="none" rtlCol="0">
-            <a:spAutoFit/>
-          </a:bodyPr>
-          <a:lstStyle/>
-          <a:p>
-            <a:r>
-              <a:rPr lang="en-US" sz="3200" dirty="0">
-                <a:solidFill>
-                  <a:schemeClr val="accent6"/>
-                </a:solidFill>
-                <a:latin typeface="Consolas" panose="020B0609020204030204" pitchFamily="49" charset="0"/>
-              </a:rPr>
-              <a:t>for</a:t>
-            </a:r>
-          </a:p>
-        </p:txBody>
-      </p:sp>
-      <p:sp>
-        <p:nvSpPr>
-          <p:cNvPr id="11" name="TextBox 10">
-            <a:extLst>
-              <a:ext uri="{FF2B5EF4-FFF2-40B4-BE49-F238E27FC236}">
-                <a16:creationId xmlns:a16="http://schemas.microsoft.com/office/drawing/2014/main" id="{AE05BD65-40ED-46AD-BB6F-1BEA2E406771}"/>
-              </a:ext>
-            </a:extLst>
-          </p:cNvPr>
-          <p:cNvSpPr txBox="1"/>
-          <p:nvPr/>
-        </p:nvSpPr>
-        <p:spPr>
-          <a:xfrm>
-            <a:off x="167294" y="529384"/>
-            <a:ext cx="1314784" cy="584775"/>
-          </a:xfrm>
-          <a:prstGeom prst="rect">
-            <a:avLst/>
-          </a:prstGeom>
-          <a:noFill/>
-        </p:spPr>
-        <p:txBody>
-          <a:bodyPr wrap="none" rtlCol="0">
-            <a:spAutoFit/>
-          </a:bodyPr>
-          <a:lstStyle/>
-          <a:p>
-            <a:r>
-              <a:rPr lang="en-US" sz="3200" dirty="0">
-                <a:solidFill>
-                  <a:schemeClr val="accent6"/>
-                </a:solidFill>
-                <a:latin typeface="Consolas" panose="020B0609020204030204" pitchFamily="49" charset="0"/>
-              </a:rPr>
-              <a:t>while</a:t>
-            </a:r>
-          </a:p>
-        </p:txBody>
-      </p:sp>
-      <p:sp>
-        <p:nvSpPr>
-          <p:cNvPr id="14" name="Content Placeholder 2">
-            <a:extLst>
-              <a:ext uri="{FF2B5EF4-FFF2-40B4-BE49-F238E27FC236}">
-                <a16:creationId xmlns:a16="http://schemas.microsoft.com/office/drawing/2014/main" id="{6F4F27FC-38DA-4FD6-8623-75AA5D52DE9F}"/>
-              </a:ext>
-            </a:extLst>
-          </p:cNvPr>
-          <p:cNvSpPr>
-            <a:spLocks noGrp="1"/>
-          </p:cNvSpPr>
-          <p:nvPr>
-            <p:ph idx="1"/>
-          </p:nvPr>
-        </p:nvSpPr>
-        <p:spPr>
-          <a:xfrm>
-            <a:off x="3549317" y="3962607"/>
-            <a:ext cx="8449030" cy="2587636"/>
-          </a:xfrm>
-        </p:spPr>
-        <p:txBody>
-          <a:bodyPr>
-            <a:normAutofit/>
-          </a:bodyPr>
-          <a:lstStyle/>
-          <a:p>
-            <a:r>
-              <a:rPr lang="en-US" dirty="0">
-                <a:solidFill>
-                  <a:schemeClr val="accent6"/>
-                </a:solidFill>
-              </a:rPr>
-              <a:t>Differences</a:t>
-            </a:r>
-          </a:p>
-          <a:p>
-            <a:r>
-              <a:rPr lang="en-US" dirty="0"/>
-              <a:t>The for loop is </a:t>
-            </a:r>
-            <a:r>
-              <a:rPr lang="en-US" b="1" dirty="0">
-                <a:solidFill>
-                  <a:schemeClr val="accent6"/>
-                </a:solidFill>
-              </a:rPr>
-              <a:t>MUCH</a:t>
-            </a:r>
-            <a:r>
-              <a:rPr lang="en-US" dirty="0"/>
-              <a:t> easier to read and therefore</a:t>
-            </a:r>
-            <a:r>
-              <a:rPr lang="en-US" dirty="0">
-                <a:solidFill>
-                  <a:schemeClr val="accent2"/>
-                </a:solidFill>
-              </a:rPr>
-              <a:t>,</a:t>
-            </a:r>
-            <a:r>
-              <a:rPr lang="en-US" dirty="0"/>
-              <a:t> desirable when writing code for large collaborative projects</a:t>
-            </a:r>
-            <a:r>
-              <a:rPr lang="en-US" dirty="0">
-                <a:solidFill>
-                  <a:schemeClr val="accent2"/>
-                </a:solidFill>
-              </a:rPr>
-              <a:t>.</a:t>
-            </a:r>
-          </a:p>
-          <a:p>
-            <a:r>
-              <a:rPr lang="en-US" dirty="0">
-                <a:solidFill>
-                  <a:schemeClr val="accent2"/>
-                </a:solidFill>
-              </a:rPr>
-              <a:t>#cleancode</a:t>
-            </a:r>
-          </a:p>
-        </p:txBody>
-      </p:sp>
-      <p:sp>
-        <p:nvSpPr>
-          <p:cNvPr id="3" name="TextBox 2">
-            <a:extLst>
-              <a:ext uri="{FF2B5EF4-FFF2-40B4-BE49-F238E27FC236}">
-                <a16:creationId xmlns:a16="http://schemas.microsoft.com/office/drawing/2014/main" id="{E5854E85-CA6B-4835-B3BC-81BA65999497}"/>
-              </a:ext>
-            </a:extLst>
-          </p:cNvPr>
-          <p:cNvSpPr txBox="1"/>
-          <p:nvPr/>
-        </p:nvSpPr>
-        <p:spPr>
-          <a:xfrm>
-            <a:off x="372979" y="4199021"/>
-            <a:ext cx="1726755" cy="707886"/>
-          </a:xfrm>
-          <a:prstGeom prst="rect">
-            <a:avLst/>
-          </a:prstGeom>
-          <a:noFill/>
-        </p:spPr>
-        <p:txBody>
-          <a:bodyPr wrap="none" rtlCol="0">
-            <a:spAutoFit/>
-          </a:bodyPr>
-          <a:lstStyle/>
-          <a:p>
-            <a:r>
-              <a:rPr lang="en-US" sz="4000" b="1" dirty="0">
-                <a:solidFill>
-                  <a:srgbClr val="00B050"/>
-                </a:solidFill>
-              </a:rPr>
-              <a:t>6 lines</a:t>
-            </a:r>
-          </a:p>
-        </p:txBody>
-      </p:sp>
-      <p:sp>
-        <p:nvSpPr>
-          <p:cNvPr id="12" name="TextBox 11">
-            <a:extLst>
-              <a:ext uri="{FF2B5EF4-FFF2-40B4-BE49-F238E27FC236}">
-                <a16:creationId xmlns:a16="http://schemas.microsoft.com/office/drawing/2014/main" id="{827C0994-CAAE-4DA3-A8F6-3B7623734B2D}"/>
-              </a:ext>
-            </a:extLst>
-          </p:cNvPr>
-          <p:cNvSpPr txBox="1"/>
-          <p:nvPr/>
-        </p:nvSpPr>
-        <p:spPr>
-          <a:xfrm>
-            <a:off x="8466221" y="3254721"/>
-            <a:ext cx="1726755" cy="707886"/>
-          </a:xfrm>
-          <a:prstGeom prst="rect">
-            <a:avLst/>
-          </a:prstGeom>
-          <a:noFill/>
-        </p:spPr>
-        <p:txBody>
-          <a:bodyPr wrap="none" rtlCol="0">
-            <a:spAutoFit/>
-          </a:bodyPr>
-          <a:lstStyle/>
-          <a:p>
-            <a:r>
-              <a:rPr lang="en-US" sz="4000" b="1" dirty="0">
-                <a:solidFill>
-                  <a:srgbClr val="00B050"/>
-                </a:solidFill>
-              </a:rPr>
-              <a:t>4 lines</a:t>
-            </a:r>
-          </a:p>
-        </p:txBody>
-      </p:sp>
-    </p:spTree>
-    <p:extLst>
-      <p:ext uri="{BB962C8B-B14F-4D97-AF65-F5344CB8AC3E}">
-        <p14:creationId xmlns:p14="http://schemas.microsoft.com/office/powerpoint/2010/main" val="2526233135"/>
-      </p:ext>
-    </p:extLst>
-  </p:cSld>
-  <p:clrMapOvr>
-    <a:masterClrMapping/>
-  </p:clrMapOvr>
-</p:sld>
-</file>
-
-<file path=ppt/slides/slide27.xml><?xml version="1.0" encoding="utf-8"?>
-<p:sld xmlns:a="http://schemas.openxmlformats.org/drawingml/2006/main" xmlns:r="http://schemas.openxmlformats.org/officeDocument/2006/relationships" xmlns:p="http://schemas.openxmlformats.org/presentationml/2006/main">
-  <p:cSld>
-    <p:spTree>
-      <p:nvGrpSpPr>
-        <p:cNvPr id="1" name=""/>
-        <p:cNvGrpSpPr/>
-        <p:nvPr/>
-      </p:nvGrpSpPr>
-      <p:grpSpPr>
-        <a:xfrm>
-          <a:off x="0" y="0"/>
-          <a:ext cx="0" cy="0"/>
-          <a:chOff x="0" y="0"/>
-          <a:chExt cx="0" cy="0"/>
-        </a:xfrm>
-      </p:grpSpPr>
-      <p:sp>
-        <p:nvSpPr>
-          <p:cNvPr id="2" name="Title 1">
-            <a:extLst>
-              <a:ext uri="{FF2B5EF4-FFF2-40B4-BE49-F238E27FC236}">
-                <a16:creationId xmlns:a16="http://schemas.microsoft.com/office/drawing/2014/main" id="{6893B711-0E83-4839-B9C4-EBE47B8BD950}"/>
-              </a:ext>
-            </a:extLst>
-          </p:cNvPr>
-          <p:cNvSpPr>
-            <a:spLocks noGrp="1"/>
-          </p:cNvSpPr>
-          <p:nvPr>
-            <p:ph type="title"/>
-          </p:nvPr>
-        </p:nvSpPr>
-        <p:spPr/>
-        <p:txBody>
-          <a:bodyPr>
-            <a:normAutofit fontScale="90000"/>
-          </a:bodyPr>
-          <a:lstStyle/>
-          <a:p>
-            <a:r>
-              <a:rPr lang="en-US" b="1" dirty="0">
-                <a:solidFill>
-                  <a:schemeClr val="accent6"/>
-                </a:solidFill>
-              </a:rPr>
-              <a:t>for</a:t>
-            </a:r>
-            <a:r>
-              <a:rPr lang="en-US" b="1" dirty="0"/>
-              <a:t> vs </a:t>
-            </a:r>
-            <a:r>
-              <a:rPr lang="en-US" b="1" dirty="0">
-                <a:solidFill>
-                  <a:schemeClr val="accent6"/>
-                </a:solidFill>
-              </a:rPr>
-              <a:t>while</a:t>
-            </a:r>
-          </a:p>
-        </p:txBody>
-      </p:sp>
-      <p:sp>
-        <p:nvSpPr>
-          <p:cNvPr id="3" name="Content Placeholder 2">
-            <a:extLst>
-              <a:ext uri="{FF2B5EF4-FFF2-40B4-BE49-F238E27FC236}">
-                <a16:creationId xmlns:a16="http://schemas.microsoft.com/office/drawing/2014/main" id="{1A4618D0-1A35-4F96-9B10-97A44024E9EC}"/>
-              </a:ext>
-            </a:extLst>
-          </p:cNvPr>
-          <p:cNvSpPr>
-            <a:spLocks noGrp="1"/>
-          </p:cNvSpPr>
-          <p:nvPr>
-            <p:ph idx="1"/>
-          </p:nvPr>
-        </p:nvSpPr>
-        <p:spPr>
-          <a:xfrm>
-            <a:off x="838199" y="1825624"/>
-            <a:ext cx="6777789" cy="4835479"/>
-          </a:xfrm>
-        </p:spPr>
-        <p:txBody>
-          <a:bodyPr/>
-          <a:lstStyle/>
-          <a:p>
-            <a:r>
-              <a:rPr lang="en-US" dirty="0"/>
-              <a:t>You should use a</a:t>
-            </a:r>
-            <a:r>
-              <a:rPr lang="en-US" dirty="0">
-                <a:solidFill>
-                  <a:schemeClr val="accent6"/>
-                </a:solidFill>
-                <a:latin typeface="Consolas" panose="020B0609020204030204" pitchFamily="49" charset="0"/>
-              </a:rPr>
-              <a:t> for </a:t>
-            </a:r>
-            <a:r>
-              <a:rPr lang="en-US" dirty="0"/>
-              <a:t>loop when you know how many times the loop should run</a:t>
-            </a:r>
-            <a:r>
-              <a:rPr lang="en-US" dirty="0">
-                <a:solidFill>
-                  <a:schemeClr val="accent2"/>
-                </a:solidFill>
-              </a:rPr>
-              <a:t>. </a:t>
-            </a:r>
-          </a:p>
-          <a:p>
-            <a:r>
-              <a:rPr lang="en-US" dirty="0"/>
-              <a:t>If you want the loop to break based on a condition </a:t>
-            </a:r>
-            <a:r>
-              <a:rPr lang="en-US" dirty="0">
-                <a:solidFill>
-                  <a:schemeClr val="accent6"/>
-                </a:solidFill>
-              </a:rPr>
-              <a:t>(</a:t>
-            </a:r>
-            <a:r>
-              <a:rPr lang="en-US" dirty="0"/>
-              <a:t>do this until</a:t>
-            </a:r>
-            <a:r>
-              <a:rPr lang="en-US" dirty="0">
-                <a:solidFill>
-                  <a:schemeClr val="accent2"/>
-                </a:solidFill>
-              </a:rPr>
-              <a:t>….</a:t>
-            </a:r>
-            <a:r>
-              <a:rPr lang="en-US" dirty="0">
-                <a:solidFill>
-                  <a:schemeClr val="accent6"/>
-                </a:solidFill>
-              </a:rPr>
-              <a:t>)</a:t>
-            </a:r>
-            <a:r>
-              <a:rPr lang="en-US" dirty="0"/>
-              <a:t> you should use a </a:t>
-            </a:r>
-            <a:r>
-              <a:rPr lang="en-US" dirty="0">
-                <a:solidFill>
-                  <a:schemeClr val="accent6"/>
-                </a:solidFill>
-                <a:latin typeface="Consolas" panose="020B0609020204030204" pitchFamily="49" charset="0"/>
-              </a:rPr>
-              <a:t>while</a:t>
-            </a:r>
-            <a:r>
-              <a:rPr lang="en-US" dirty="0"/>
-              <a:t> loop</a:t>
-            </a:r>
-            <a:r>
-              <a:rPr lang="en-US" dirty="0">
-                <a:solidFill>
-                  <a:schemeClr val="accent2"/>
-                </a:solidFill>
-              </a:rPr>
-              <a:t>.</a:t>
-            </a:r>
-          </a:p>
-        </p:txBody>
-      </p:sp>
-    </p:spTree>
-    <p:extLst>
-      <p:ext uri="{BB962C8B-B14F-4D97-AF65-F5344CB8AC3E}">
-        <p14:creationId xmlns:p14="http://schemas.microsoft.com/office/powerpoint/2010/main" val="1723296180"/>
-      </p:ext>
-    </p:extLst>
-  </p:cSld>
-  <p:clrMapOvr>
-    <a:masterClrMapping/>
-  </p:clrMapOvr>
-</p:sld>
-</file>
-
 <file path=ppt/slides/slide28.xml><?xml version="1.0" encoding="utf-8"?>
 <p:sld xmlns:a="http://schemas.openxmlformats.org/drawingml/2006/main" xmlns:r="http://schemas.openxmlformats.org/officeDocument/2006/relationships" xmlns:p="http://schemas.openxmlformats.org/presentationml/2006/main">
   <p:cSld>
@@ -10446,10 +10749,463 @@
       </p:grpSpPr>
       <p:sp>
         <p:nvSpPr>
+          <p:cNvPr id="8" name="TextBox 7">
+            <a:extLst>
+              <a:ext uri="{FF2B5EF4-FFF2-40B4-BE49-F238E27FC236}">
+                <a16:creationId xmlns:a16="http://schemas.microsoft.com/office/drawing/2014/main" id="{C8562EBF-756B-4824-9356-949FB0D699F5}"/>
+              </a:ext>
+            </a:extLst>
+          </p:cNvPr>
+          <p:cNvSpPr txBox="1"/>
+          <p:nvPr/>
+        </p:nvSpPr>
+        <p:spPr>
+          <a:xfrm>
+            <a:off x="167294" y="1199555"/>
+            <a:ext cx="5769528" cy="2677656"/>
+          </a:xfrm>
+          <a:prstGeom prst="rect">
+            <a:avLst/>
+          </a:prstGeom>
+          <a:noFill/>
+        </p:spPr>
+        <p:txBody>
+          <a:bodyPr wrap="none" rtlCol="0">
+            <a:spAutoFit/>
+          </a:bodyPr>
+          <a:lstStyle/>
+          <a:p>
+            <a:r>
+              <a:rPr lang="en-US" sz="2800" b="1" dirty="0">
+                <a:solidFill>
+                  <a:srgbClr val="FFD6AD"/>
+                </a:solidFill>
+                <a:latin typeface="Courier New" panose="02070309020205020404" pitchFamily="49" charset="0"/>
+                <a:cs typeface="Courier New" panose="02070309020205020404" pitchFamily="49" charset="0"/>
+              </a:rPr>
+              <a:t>i = 0</a:t>
+            </a:r>
+          </a:p>
+          <a:p>
+            <a:r>
+              <a:rPr lang="en-US" sz="2800" b="1" dirty="0">
+                <a:solidFill>
+                  <a:srgbClr val="FFD6AD"/>
+                </a:solidFill>
+                <a:latin typeface="Courier New" panose="02070309020205020404" pitchFamily="49" charset="0"/>
+                <a:cs typeface="Courier New" panose="02070309020205020404" pitchFamily="49" charset="0"/>
+              </a:rPr>
+              <a:t>counter = 0</a:t>
+            </a:r>
+          </a:p>
+          <a:p>
+            <a:r>
+              <a:rPr lang="en-US" sz="2800" b="1" dirty="0">
+                <a:solidFill>
+                  <a:srgbClr val="FFD6AD"/>
+                </a:solidFill>
+                <a:latin typeface="Courier New" panose="02070309020205020404" pitchFamily="49" charset="0"/>
+                <a:cs typeface="Courier New" panose="02070309020205020404" pitchFamily="49" charset="0"/>
+              </a:rPr>
+              <a:t>while i &lt; len(chrome_4):</a:t>
+            </a:r>
+          </a:p>
+          <a:p>
+            <a:r>
+              <a:rPr lang="en-US" sz="2800" b="1" dirty="0">
+                <a:solidFill>
+                  <a:srgbClr val="FFD6AD"/>
+                </a:solidFill>
+                <a:latin typeface="Courier New" panose="02070309020205020404" pitchFamily="49" charset="0"/>
+                <a:cs typeface="Courier New" panose="02070309020205020404" pitchFamily="49" charset="0"/>
+              </a:rPr>
+              <a:t>    if chrome_4[i] == 'A':</a:t>
+            </a:r>
+          </a:p>
+          <a:p>
+            <a:r>
+              <a:rPr lang="en-US" sz="2800" b="1" dirty="0">
+                <a:solidFill>
+                  <a:srgbClr val="FFD6AD"/>
+                </a:solidFill>
+                <a:latin typeface="Courier New" panose="02070309020205020404" pitchFamily="49" charset="0"/>
+                <a:cs typeface="Courier New" panose="02070309020205020404" pitchFamily="49" charset="0"/>
+              </a:rPr>
+              <a:t>        counter += 1</a:t>
+            </a:r>
+          </a:p>
+          <a:p>
+            <a:r>
+              <a:rPr lang="en-US" sz="2800" b="1" dirty="0">
+                <a:solidFill>
+                  <a:srgbClr val="FFD6AD"/>
+                </a:solidFill>
+                <a:latin typeface="Courier New" panose="02070309020205020404" pitchFamily="49" charset="0"/>
+                <a:cs typeface="Courier New" panose="02070309020205020404" pitchFamily="49" charset="0"/>
+              </a:rPr>
+              <a:t>    i += 1</a:t>
+            </a:r>
+          </a:p>
+        </p:txBody>
+      </p:sp>
+      <p:sp>
+        <p:nvSpPr>
+          <p:cNvPr id="9" name="TextBox 8">
+            <a:extLst>
+              <a:ext uri="{FF2B5EF4-FFF2-40B4-BE49-F238E27FC236}">
+                <a16:creationId xmlns:a16="http://schemas.microsoft.com/office/drawing/2014/main" id="{346C7AC3-970D-4D47-853E-5D0B48C8C8D6}"/>
+              </a:ext>
+            </a:extLst>
+          </p:cNvPr>
+          <p:cNvSpPr txBox="1"/>
+          <p:nvPr/>
+        </p:nvSpPr>
+        <p:spPr>
+          <a:xfrm>
+            <a:off x="6314184" y="1199555"/>
+            <a:ext cx="5769528" cy="1815882"/>
+          </a:xfrm>
+          <a:prstGeom prst="rect">
+            <a:avLst/>
+          </a:prstGeom>
+          <a:noFill/>
+        </p:spPr>
+        <p:txBody>
+          <a:bodyPr wrap="none" rtlCol="0">
+            <a:spAutoFit/>
+          </a:bodyPr>
+          <a:lstStyle/>
+          <a:p>
+            <a:r>
+              <a:rPr lang="en-US" sz="2800" b="1" dirty="0">
+                <a:solidFill>
+                  <a:srgbClr val="FFD6AD"/>
+                </a:solidFill>
+                <a:latin typeface="Courier New" panose="02070309020205020404" pitchFamily="49" charset="0"/>
+                <a:cs typeface="Courier New" panose="02070309020205020404" pitchFamily="49" charset="0"/>
+              </a:rPr>
+              <a:t>counter = 0</a:t>
+            </a:r>
+          </a:p>
+          <a:p>
+            <a:r>
+              <a:rPr lang="en-US" sz="2800" b="1" dirty="0">
+                <a:solidFill>
+                  <a:srgbClr val="FFD6AD"/>
+                </a:solidFill>
+                <a:latin typeface="Courier New" panose="02070309020205020404" pitchFamily="49" charset="0"/>
+                <a:cs typeface="Courier New" panose="02070309020205020404" pitchFamily="49" charset="0"/>
+              </a:rPr>
+              <a:t>for character in chrome_4:</a:t>
+            </a:r>
+          </a:p>
+          <a:p>
+            <a:r>
+              <a:rPr lang="en-US" sz="2800" b="1" dirty="0">
+                <a:solidFill>
+                  <a:srgbClr val="FFD6AD"/>
+                </a:solidFill>
+                <a:latin typeface="Courier New" panose="02070309020205020404" pitchFamily="49" charset="0"/>
+                <a:cs typeface="Courier New" panose="02070309020205020404" pitchFamily="49" charset="0"/>
+              </a:rPr>
+              <a:t>    if character == 'A':</a:t>
+            </a:r>
+          </a:p>
+          <a:p>
+            <a:r>
+              <a:rPr lang="en-US" sz="2800" b="1" dirty="0">
+                <a:solidFill>
+                  <a:srgbClr val="FFD6AD"/>
+                </a:solidFill>
+                <a:latin typeface="Courier New" panose="02070309020205020404" pitchFamily="49" charset="0"/>
+                <a:cs typeface="Courier New" panose="02070309020205020404" pitchFamily="49" charset="0"/>
+              </a:rPr>
+              <a:t>        counter += 1</a:t>
+            </a:r>
+          </a:p>
+        </p:txBody>
+      </p:sp>
+      <p:sp>
+        <p:nvSpPr>
+          <p:cNvPr id="10" name="TextBox 9">
+            <a:extLst>
+              <a:ext uri="{FF2B5EF4-FFF2-40B4-BE49-F238E27FC236}">
+                <a16:creationId xmlns:a16="http://schemas.microsoft.com/office/drawing/2014/main" id="{4DE79005-14E1-4EFB-93E0-4F247B713455}"/>
+              </a:ext>
+            </a:extLst>
+          </p:cNvPr>
+          <p:cNvSpPr txBox="1"/>
+          <p:nvPr/>
+        </p:nvSpPr>
+        <p:spPr>
+          <a:xfrm>
+            <a:off x="6319438" y="529384"/>
+            <a:ext cx="862737" cy="584775"/>
+          </a:xfrm>
+          <a:prstGeom prst="rect">
+            <a:avLst/>
+          </a:prstGeom>
+          <a:noFill/>
+        </p:spPr>
+        <p:txBody>
+          <a:bodyPr wrap="none" rtlCol="0">
+            <a:spAutoFit/>
+          </a:bodyPr>
+          <a:lstStyle/>
+          <a:p>
+            <a:r>
+              <a:rPr lang="en-US" sz="3200" dirty="0">
+                <a:solidFill>
+                  <a:schemeClr val="accent6"/>
+                </a:solidFill>
+                <a:latin typeface="Consolas" panose="020B0609020204030204" pitchFamily="49" charset="0"/>
+              </a:rPr>
+              <a:t>for</a:t>
+            </a:r>
+          </a:p>
+        </p:txBody>
+      </p:sp>
+      <p:sp>
+        <p:nvSpPr>
+          <p:cNvPr id="11" name="TextBox 10">
+            <a:extLst>
+              <a:ext uri="{FF2B5EF4-FFF2-40B4-BE49-F238E27FC236}">
+                <a16:creationId xmlns:a16="http://schemas.microsoft.com/office/drawing/2014/main" id="{AE05BD65-40ED-46AD-BB6F-1BEA2E406771}"/>
+              </a:ext>
+            </a:extLst>
+          </p:cNvPr>
+          <p:cNvSpPr txBox="1"/>
+          <p:nvPr/>
+        </p:nvSpPr>
+        <p:spPr>
+          <a:xfrm>
+            <a:off x="167294" y="529384"/>
+            <a:ext cx="1314784" cy="584775"/>
+          </a:xfrm>
+          <a:prstGeom prst="rect">
+            <a:avLst/>
+          </a:prstGeom>
+          <a:noFill/>
+        </p:spPr>
+        <p:txBody>
+          <a:bodyPr wrap="none" rtlCol="0">
+            <a:spAutoFit/>
+          </a:bodyPr>
+          <a:lstStyle/>
+          <a:p>
+            <a:r>
+              <a:rPr lang="en-US" sz="3200" dirty="0">
+                <a:solidFill>
+                  <a:schemeClr val="accent6"/>
+                </a:solidFill>
+                <a:latin typeface="Consolas" panose="020B0609020204030204" pitchFamily="49" charset="0"/>
+              </a:rPr>
+              <a:t>while</a:t>
+            </a:r>
+          </a:p>
+        </p:txBody>
+      </p:sp>
+      <p:sp>
+        <p:nvSpPr>
+          <p:cNvPr id="14" name="Content Placeholder 2">
+            <a:extLst>
+              <a:ext uri="{FF2B5EF4-FFF2-40B4-BE49-F238E27FC236}">
+                <a16:creationId xmlns:a16="http://schemas.microsoft.com/office/drawing/2014/main" id="{6F4F27FC-38DA-4FD6-8623-75AA5D52DE9F}"/>
+              </a:ext>
+            </a:extLst>
+          </p:cNvPr>
+          <p:cNvSpPr>
+            <a:spLocks noGrp="1"/>
+          </p:cNvSpPr>
+          <p:nvPr>
+            <p:ph idx="1"/>
+          </p:nvPr>
+        </p:nvSpPr>
+        <p:spPr>
+          <a:xfrm>
+            <a:off x="3549317" y="3962607"/>
+            <a:ext cx="8449030" cy="2587636"/>
+          </a:xfrm>
+        </p:spPr>
+        <p:txBody>
+          <a:bodyPr>
+            <a:normAutofit/>
+          </a:bodyPr>
+          <a:lstStyle/>
+          <a:p>
+            <a:r>
+              <a:rPr lang="en-US" dirty="0">
+                <a:solidFill>
+                  <a:schemeClr val="accent6"/>
+                </a:solidFill>
+              </a:rPr>
+              <a:t>Differences</a:t>
+            </a:r>
+          </a:p>
+          <a:p>
+            <a:r>
+              <a:rPr lang="en-US" dirty="0"/>
+              <a:t>The for loop is </a:t>
+            </a:r>
+            <a:r>
+              <a:rPr lang="en-US" b="1" dirty="0">
+                <a:solidFill>
+                  <a:schemeClr val="accent6"/>
+                </a:solidFill>
+              </a:rPr>
+              <a:t>MUCH</a:t>
+            </a:r>
+            <a:r>
+              <a:rPr lang="en-US" dirty="0"/>
+              <a:t> easier to read and therefore</a:t>
+            </a:r>
+            <a:r>
+              <a:rPr lang="en-US" dirty="0">
+                <a:solidFill>
+                  <a:schemeClr val="accent2"/>
+                </a:solidFill>
+              </a:rPr>
+              <a:t>,</a:t>
+            </a:r>
+            <a:r>
+              <a:rPr lang="en-US" dirty="0"/>
+              <a:t> desirable when writing code for large collaborative projects</a:t>
+            </a:r>
+            <a:r>
+              <a:rPr lang="en-US" dirty="0">
+                <a:solidFill>
+                  <a:schemeClr val="accent2"/>
+                </a:solidFill>
+              </a:rPr>
+              <a:t>.</a:t>
+            </a:r>
+          </a:p>
+          <a:p>
+            <a:r>
+              <a:rPr lang="en-US" dirty="0">
+                <a:solidFill>
+                  <a:schemeClr val="accent2"/>
+                </a:solidFill>
+              </a:rPr>
+              <a:t>#cleancode</a:t>
+            </a:r>
+          </a:p>
+        </p:txBody>
+      </p:sp>
+      <p:sp>
+        <p:nvSpPr>
+          <p:cNvPr id="3" name="TextBox 2">
+            <a:extLst>
+              <a:ext uri="{FF2B5EF4-FFF2-40B4-BE49-F238E27FC236}">
+                <a16:creationId xmlns:a16="http://schemas.microsoft.com/office/drawing/2014/main" id="{E5854E85-CA6B-4835-B3BC-81BA65999497}"/>
+              </a:ext>
+            </a:extLst>
+          </p:cNvPr>
+          <p:cNvSpPr txBox="1"/>
+          <p:nvPr/>
+        </p:nvSpPr>
+        <p:spPr>
+          <a:xfrm>
+            <a:off x="372979" y="4199021"/>
+            <a:ext cx="1726755" cy="707886"/>
+          </a:xfrm>
+          <a:prstGeom prst="rect">
+            <a:avLst/>
+          </a:prstGeom>
+          <a:noFill/>
+        </p:spPr>
+        <p:txBody>
+          <a:bodyPr wrap="none" rtlCol="0">
+            <a:spAutoFit/>
+          </a:bodyPr>
+          <a:lstStyle/>
+          <a:p>
+            <a:r>
+              <a:rPr lang="en-US" sz="4000" b="1" dirty="0">
+                <a:solidFill>
+                  <a:srgbClr val="00B050"/>
+                </a:solidFill>
+              </a:rPr>
+              <a:t>6 lines</a:t>
+            </a:r>
+          </a:p>
+        </p:txBody>
+      </p:sp>
+      <p:sp>
+        <p:nvSpPr>
+          <p:cNvPr id="12" name="TextBox 11">
+            <a:extLst>
+              <a:ext uri="{FF2B5EF4-FFF2-40B4-BE49-F238E27FC236}">
+                <a16:creationId xmlns:a16="http://schemas.microsoft.com/office/drawing/2014/main" id="{827C0994-CAAE-4DA3-A8F6-3B7623734B2D}"/>
+              </a:ext>
+            </a:extLst>
+          </p:cNvPr>
+          <p:cNvSpPr txBox="1"/>
+          <p:nvPr/>
+        </p:nvSpPr>
+        <p:spPr>
+          <a:xfrm>
+            <a:off x="8466221" y="3254721"/>
+            <a:ext cx="1726755" cy="707886"/>
+          </a:xfrm>
+          <a:prstGeom prst="rect">
+            <a:avLst/>
+          </a:prstGeom>
+          <a:noFill/>
+        </p:spPr>
+        <p:txBody>
+          <a:bodyPr wrap="none" rtlCol="0">
+            <a:spAutoFit/>
+          </a:bodyPr>
+          <a:lstStyle/>
+          <a:p>
+            <a:r>
+              <a:rPr lang="en-US" sz="4000" b="1" dirty="0">
+                <a:solidFill>
+                  <a:srgbClr val="00B050"/>
+                </a:solidFill>
+              </a:rPr>
+              <a:t>4 lines</a:t>
+            </a:r>
+          </a:p>
+        </p:txBody>
+      </p:sp>
+    </p:spTree>
+    <p:extLst>
+      <p:ext uri="{BB962C8B-B14F-4D97-AF65-F5344CB8AC3E}">
+        <p14:creationId xmlns:p14="http://schemas.microsoft.com/office/powerpoint/2010/main" val="2526233135"/>
+      </p:ext>
+    </p:extLst>
+  </p:cSld>
+  <p:clrMapOvr>
+    <a:masterClrMapping/>
+  </p:clrMapOvr>
+</p:sld>
+</file>
+
+<file path=ppt/slides/slide29.xml><?xml version="1.0" encoding="utf-8"?>
+<p:sld xmlns:a="http://schemas.openxmlformats.org/drawingml/2006/main" xmlns:r="http://schemas.openxmlformats.org/officeDocument/2006/relationships" xmlns:p="http://schemas.openxmlformats.org/presentationml/2006/main">
+  <p:cSld>
+    <p:spTree>
+      <p:nvGrpSpPr>
+        <p:cNvPr id="1" name=""/>
+        <p:cNvGrpSpPr/>
+        <p:nvPr/>
+      </p:nvGrpSpPr>
+      <p:grpSpPr>
+        <a:xfrm>
+          <a:off x="0" y="0"/>
+          <a:ext cx="0" cy="0"/>
+          <a:chOff x="0" y="0"/>
+          <a:chExt cx="0" cy="0"/>
+        </a:xfrm>
+      </p:grpSpPr>
+      <p:sp>
+        <p:nvSpPr>
           <p:cNvPr id="2" name="Title 1">
             <a:extLst>
               <a:ext uri="{FF2B5EF4-FFF2-40B4-BE49-F238E27FC236}">
-                <a16:creationId xmlns:a16="http://schemas.microsoft.com/office/drawing/2014/main" id="{128C012E-E27C-4455-914A-F84B2E984449}"/>
+                <a16:creationId xmlns:a16="http://schemas.microsoft.com/office/drawing/2014/main" id="{6893B711-0E83-4839-B9C4-EBE47B8BD950}"/>
               </a:ext>
             </a:extLst>
           </p:cNvPr>
@@ -10470,48 +11226,23 @@
             <a:r>
               <a:rPr lang="en-US" b="1" dirty="0">
                 <a:solidFill>
-                  <a:srgbClr val="00FF00"/>
-                </a:solidFill>
-                <a:latin typeface="Courier New" panose="02070309020205020404" pitchFamily="49" charset="0"/>
-                <a:cs typeface="Courier New" panose="02070309020205020404" pitchFamily="49" charset="0"/>
+                  <a:schemeClr val="accent6"/>
+                </a:solidFill>
+              </a:rPr>
+              <a:t>for</a:t>
+            </a:r>
+            <a:r>
+              <a:rPr lang="en-US" b="1" dirty="0"/>
+              <a:t> vs </a:t>
+            </a:r>
+            <a:r>
+              <a:rPr lang="en-US" b="1" dirty="0">
+                <a:solidFill>
+                  <a:schemeClr val="accent6"/>
+                </a:solidFill>
               </a:rPr>
               <a:t>while</a:t>
             </a:r>
-            <a:r>
-              <a:rPr lang="en-US" b="1" dirty="0"/>
-              <a:t> </a:t>
-            </a:r>
-            <a:r>
-              <a:rPr lang="en-US" b="1" dirty="0">
-                <a:solidFill>
-                  <a:schemeClr val="accent2"/>
-                </a:solidFill>
-              </a:rPr>
-              <a:t>&amp;</a:t>
-            </a:r>
-            <a:r>
-              <a:rPr lang="en-US" b="1" dirty="0"/>
-              <a:t> </a:t>
-            </a:r>
-            <a:r>
-              <a:rPr lang="en-US" b="1" dirty="0">
-                <a:solidFill>
-                  <a:srgbClr val="00FF00"/>
-                </a:solidFill>
-                <a:latin typeface="Courier New" panose="02070309020205020404" pitchFamily="49" charset="0"/>
-                <a:cs typeface="Courier New" panose="02070309020205020404" pitchFamily="49" charset="0"/>
-              </a:rPr>
-              <a:t>for</a:t>
-            </a:r>
-            <a:r>
-              <a:rPr lang="en-US" b="1" dirty="0"/>
-              <a:t> Loops</a:t>
-            </a:r>
-            <a:endParaRPr lang="en-US" b="1" dirty="0">
-              <a:solidFill>
-                <a:schemeClr val="accent6"/>
-              </a:solidFill>
-            </a:endParaRPr>
           </a:p>
         </p:txBody>
       </p:sp>
@@ -10520,7 +11251,7 @@
           <p:cNvPr id="3" name="Content Placeholder 2">
             <a:extLst>
               <a:ext uri="{FF2B5EF4-FFF2-40B4-BE49-F238E27FC236}">
-                <a16:creationId xmlns:a16="http://schemas.microsoft.com/office/drawing/2014/main" id="{86B251CA-11BF-441F-8DAF-B316636B94DD}"/>
+                <a16:creationId xmlns:a16="http://schemas.microsoft.com/office/drawing/2014/main" id="{1A4618D0-1A35-4F96-9B10-97A44024E9EC}"/>
               </a:ext>
             </a:extLst>
           </p:cNvPr>
@@ -10533,6 +11264,199 @@
         </p:nvSpPr>
         <p:spPr>
           <a:xfrm>
+            <a:off x="838199" y="1825624"/>
+            <a:ext cx="6777789" cy="4835479"/>
+          </a:xfrm>
+        </p:spPr>
+        <p:txBody>
+          <a:bodyPr/>
+          <a:lstStyle/>
+          <a:p>
+            <a:r>
+              <a:rPr lang="en-US" dirty="0"/>
+              <a:t>You should use a</a:t>
+            </a:r>
+            <a:r>
+              <a:rPr lang="en-US" dirty="0">
+                <a:solidFill>
+                  <a:schemeClr val="accent6"/>
+                </a:solidFill>
+                <a:latin typeface="Consolas" panose="020B0609020204030204" pitchFamily="49" charset="0"/>
+              </a:rPr>
+              <a:t> for </a:t>
+            </a:r>
+            <a:r>
+              <a:rPr lang="en-US" dirty="0"/>
+              <a:t>loop when you know how many times the loop should run</a:t>
+            </a:r>
+            <a:r>
+              <a:rPr lang="en-US" dirty="0">
+                <a:solidFill>
+                  <a:schemeClr val="accent2"/>
+                </a:solidFill>
+              </a:rPr>
+              <a:t>. </a:t>
+            </a:r>
+          </a:p>
+          <a:p>
+            <a:r>
+              <a:rPr lang="en-US" dirty="0"/>
+              <a:t>If you want the loop to break based on a condition </a:t>
+            </a:r>
+            <a:r>
+              <a:rPr lang="en-US" dirty="0">
+                <a:solidFill>
+                  <a:schemeClr val="accent6"/>
+                </a:solidFill>
+              </a:rPr>
+              <a:t>(</a:t>
+            </a:r>
+            <a:r>
+              <a:rPr lang="en-US" dirty="0"/>
+              <a:t>do this until</a:t>
+            </a:r>
+            <a:r>
+              <a:rPr lang="en-US" dirty="0">
+                <a:solidFill>
+                  <a:schemeClr val="accent2"/>
+                </a:solidFill>
+              </a:rPr>
+              <a:t>….</a:t>
+            </a:r>
+            <a:r>
+              <a:rPr lang="en-US" dirty="0">
+                <a:solidFill>
+                  <a:schemeClr val="accent6"/>
+                </a:solidFill>
+              </a:rPr>
+              <a:t>)</a:t>
+            </a:r>
+            <a:r>
+              <a:rPr lang="en-US" dirty="0"/>
+              <a:t> you should use a </a:t>
+            </a:r>
+            <a:r>
+              <a:rPr lang="en-US" dirty="0">
+                <a:solidFill>
+                  <a:schemeClr val="accent6"/>
+                </a:solidFill>
+                <a:latin typeface="Consolas" panose="020B0609020204030204" pitchFamily="49" charset="0"/>
+              </a:rPr>
+              <a:t>while</a:t>
+            </a:r>
+            <a:r>
+              <a:rPr lang="en-US" dirty="0"/>
+              <a:t> loop</a:t>
+            </a:r>
+            <a:r>
+              <a:rPr lang="en-US" dirty="0">
+                <a:solidFill>
+                  <a:schemeClr val="accent2"/>
+                </a:solidFill>
+              </a:rPr>
+              <a:t>.</a:t>
+            </a:r>
+          </a:p>
+        </p:txBody>
+      </p:sp>
+    </p:spTree>
+    <p:extLst>
+      <p:ext uri="{BB962C8B-B14F-4D97-AF65-F5344CB8AC3E}">
+        <p14:creationId xmlns:p14="http://schemas.microsoft.com/office/powerpoint/2010/main" val="1723296180"/>
+      </p:ext>
+    </p:extLst>
+  </p:cSld>
+  <p:clrMapOvr>
+    <a:masterClrMapping/>
+  </p:clrMapOvr>
+</p:sld>
+</file>
+
+<file path=ppt/slides/slide3.xml><?xml version="1.0" encoding="utf-8"?>
+<p:sld xmlns:a="http://schemas.openxmlformats.org/drawingml/2006/main" xmlns:r="http://schemas.openxmlformats.org/officeDocument/2006/relationships" xmlns:p="http://schemas.openxmlformats.org/presentationml/2006/main">
+  <p:cSld>
+    <p:spTree>
+      <p:nvGrpSpPr>
+        <p:cNvPr id="1" name=""/>
+        <p:cNvGrpSpPr/>
+        <p:nvPr/>
+      </p:nvGrpSpPr>
+      <p:grpSpPr>
+        <a:xfrm>
+          <a:off x="0" y="0"/>
+          <a:ext cx="0" cy="0"/>
+          <a:chOff x="0" y="0"/>
+          <a:chExt cx="0" cy="0"/>
+        </a:xfrm>
+      </p:grpSpPr>
+      <p:sp>
+        <p:nvSpPr>
+          <p:cNvPr id="2" name="Title 1">
+            <a:extLst>
+              <a:ext uri="{FF2B5EF4-FFF2-40B4-BE49-F238E27FC236}">
+                <a16:creationId xmlns:a16="http://schemas.microsoft.com/office/drawing/2014/main" id="{128C012E-E27C-4455-914A-F84B2E984449}"/>
+              </a:ext>
+            </a:extLst>
+          </p:cNvPr>
+          <p:cNvSpPr>
+            <a:spLocks noGrp="1"/>
+          </p:cNvSpPr>
+          <p:nvPr>
+            <p:ph type="title"/>
+          </p:nvPr>
+        </p:nvSpPr>
+        <p:spPr/>
+        <p:txBody>
+          <a:bodyPr>
+            <a:normAutofit fontScale="90000"/>
+          </a:bodyPr>
+          <a:lstStyle/>
+          <a:p>
+            <a:r>
+              <a:rPr lang="en-US" b="1" dirty="0"/>
+              <a:t>Looping </a:t>
+            </a:r>
+            <a:r>
+              <a:rPr lang="en-US" b="1" dirty="0">
+                <a:solidFill>
+                  <a:schemeClr val="accent6"/>
+                </a:solidFill>
+              </a:rPr>
+              <a:t>(</a:t>
+            </a:r>
+            <a:r>
+              <a:rPr lang="en-US" b="1" dirty="0"/>
+              <a:t>Iterating</a:t>
+            </a:r>
+            <a:r>
+              <a:rPr lang="en-US" b="1" dirty="0">
+                <a:solidFill>
+                  <a:schemeClr val="accent6"/>
+                </a:solidFill>
+              </a:rPr>
+              <a:t>)</a:t>
+            </a:r>
+          </a:p>
+        </p:txBody>
+      </p:sp>
+      <p:sp>
+        <p:nvSpPr>
+          <p:cNvPr id="3" name="Content Placeholder 2">
+            <a:extLst>
+              <a:ext uri="{FF2B5EF4-FFF2-40B4-BE49-F238E27FC236}">
+                <a16:creationId xmlns:a16="http://schemas.microsoft.com/office/drawing/2014/main" id="{86B251CA-11BF-441F-8DAF-B316636B94DD}"/>
+              </a:ext>
+            </a:extLst>
+          </p:cNvPr>
+          <p:cNvSpPr>
+            <a:spLocks noGrp="1"/>
+          </p:cNvSpPr>
+          <p:nvPr>
+            <p:ph idx="1"/>
+          </p:nvPr>
+        </p:nvSpPr>
+        <p:spPr>
+          <a:xfrm>
             <a:off x="838201" y="1825624"/>
             <a:ext cx="4553810" cy="4900029"/>
           </a:xfrm>
@@ -10544,32 +11468,8 @@
           <a:lstStyle/>
           <a:p>
             <a:r>
-              <a:rPr lang="en-US" b="1" dirty="0">
-                <a:solidFill>
-                  <a:srgbClr val="00FF00"/>
-                </a:solidFill>
-                <a:latin typeface="Courier New" panose="02070309020205020404" pitchFamily="49" charset="0"/>
-                <a:cs typeface="Courier New" panose="02070309020205020404" pitchFamily="49" charset="0"/>
-              </a:rPr>
-              <a:t>for</a:t>
-            </a:r>
-            <a:r>
               <a:rPr lang="en-US" dirty="0"/>
-              <a:t> loop or </a:t>
-            </a:r>
-            <a:r>
-              <a:rPr lang="en-US" b="1" dirty="0">
-                <a:solidFill>
-                  <a:srgbClr val="00FF00"/>
-                </a:solidFill>
-                <a:latin typeface="Courier New" panose="02070309020205020404" pitchFamily="49" charset="0"/>
-                <a:cs typeface="Courier New" panose="02070309020205020404" pitchFamily="49" charset="0"/>
-              </a:rPr>
-              <a:t>while</a:t>
-            </a:r>
-            <a:r>
-              <a:rPr lang="en-US" dirty="0"/>
-              <a:t> loop</a:t>
+              <a:t>Looping means repeating something over and over until a particular condition is satisfied</a:t>
             </a:r>
             <a:r>
               <a:rPr lang="en-US" dirty="0">
@@ -10577,7 +11477,7 @@
                   <a:schemeClr val="accent2"/>
                 </a:solidFill>
               </a:rPr>
-              <a:t>?</a:t>
+              <a:t>.</a:t>
             </a:r>
             <a:r>
               <a:rPr lang="en-US" dirty="0"/>
@@ -10886,7 +11786,7 @@
     </p:spTree>
     <p:extLst>
       <p:ext uri="{BB962C8B-B14F-4D97-AF65-F5344CB8AC3E}">
-        <p14:creationId xmlns:p14="http://schemas.microsoft.com/office/powerpoint/2010/main" val="2426844338"/>
+        <p14:creationId xmlns:p14="http://schemas.microsoft.com/office/powerpoint/2010/main" val="1632449445"/>
       </p:ext>
     </p:extLst>
   </p:cSld>
@@ -10896,7 +11796,7 @@
 </p:sld>
 </file>
 
-<file path=ppt/slides/slide29.xml><?xml version="1.0" encoding="utf-8"?>
+<file path=ppt/slides/slide30.xml><?xml version="1.0" encoding="utf-8"?>
 <p:sld xmlns:a="http://schemas.openxmlformats.org/drawingml/2006/main" xmlns:r="http://schemas.openxmlformats.org/officeDocument/2006/relationships" xmlns:p="http://schemas.openxmlformats.org/presentationml/2006/main">
   <p:cSld>
     <p:spTree>
@@ -11114,7 +12014,7 @@
                   <a:srgbClr val="FFFFFF"/>
                 </a:solidFill>
               </a:rPr>
-              <a:t>List of Tweets</a:t>
+              <a:t>List of Customers</a:t>
             </a:r>
           </a:p>
         </p:txBody>
@@ -11173,23 +12073,7 @@
                   <a:srgbClr val="FFFFFF"/>
                 </a:solidFill>
               </a:rPr>
-              <a:t>Does the Tweet contain </a:t>
-            </a:r>
-            <a:r>
-              <a:rPr lang="en-US" sz="2800" b="1" dirty="0">
-                <a:solidFill>
-                  <a:schemeClr val="accent6"/>
-                </a:solidFill>
-              </a:rPr>
-              <a:t>#</a:t>
-            </a:r>
-            <a:r>
-              <a:rPr lang="en-US" sz="2800" b="1" dirty="0">
-                <a:solidFill>
-                  <a:srgbClr val="FFFFFF"/>
-                </a:solidFill>
-              </a:rPr>
-              <a:t>cleancode</a:t>
+              <a:t>Send Promotional Email</a:t>
             </a:r>
           </a:p>
         </p:txBody>
@@ -11257,8 +12141,8 @@
         </p:nvSpPr>
         <p:spPr>
           <a:xfrm>
-            <a:off x="1215512" y="4496218"/>
-            <a:ext cx="1385123" cy="523220"/>
+            <a:off x="1416087" y="4496218"/>
+            <a:ext cx="1103187" cy="523220"/>
           </a:xfrm>
           <a:prstGeom prst="rect">
             <a:avLst/>
@@ -11277,23 +12161,7 @@
                   <a:srgbClr val="FFFFFF"/>
                 </a:solidFill>
               </a:rPr>
-              <a:t>Yes</a:t>
-            </a:r>
-            <a:r>
-              <a:rPr lang="en-US" sz="2800" b="1" dirty="0">
-                <a:solidFill>
-                  <a:schemeClr val="accent6"/>
-                </a:solidFill>
-              </a:rPr>
-              <a:t>/</a:t>
-            </a:r>
-            <a:r>
-              <a:rPr lang="en-US" sz="2800" b="1" dirty="0">
-                <a:solidFill>
-                  <a:srgbClr val="FFFFFF"/>
-                </a:solidFill>
-              </a:rPr>
-              <a:t>No</a:t>
+              <a:t>Email</a:t>
             </a:r>
           </a:p>
         </p:txBody>
@@ -11387,7 +12255,7 @@
     </p:spTree>
     <p:extLst>
       <p:ext uri="{BB962C8B-B14F-4D97-AF65-F5344CB8AC3E}">
-        <p14:creationId xmlns:p14="http://schemas.microsoft.com/office/powerpoint/2010/main" val="1253679786"/>
+        <p14:creationId xmlns:p14="http://schemas.microsoft.com/office/powerpoint/2010/main" val="2426844338"/>
       </p:ext>
     </p:extLst>
   </p:cSld>
@@ -11397,7 +12265,7 @@
 </p:sld>
 </file>
 
-<file path=ppt/slides/slide3.xml><?xml version="1.0" encoding="utf-8"?>
+<file path=ppt/slides/slide31.xml><?xml version="1.0" encoding="utf-8"?>
 <p:sld xmlns:a="http://schemas.openxmlformats.org/drawingml/2006/main" xmlns:r="http://schemas.openxmlformats.org/officeDocument/2006/relationships" xmlns:p="http://schemas.openxmlformats.org/presentationml/2006/main">
   <p:cSld>
     <p:spTree>
@@ -11438,29 +12306,50 @@
           <a:lstStyle/>
           <a:p>
             <a:r>
+              <a:rPr lang="en-US" b="1" dirty="0">
+                <a:solidFill>
+                  <a:srgbClr val="00FF00"/>
+                </a:solidFill>
+                <a:latin typeface="Courier New" panose="02070309020205020404" pitchFamily="49" charset="0"/>
+                <a:cs typeface="Courier New" panose="02070309020205020404" pitchFamily="49" charset="0"/>
+              </a:rPr>
+              <a:t>while</a:t>
+            </a:r>
+            <a:r>
               <a:rPr lang="en-US" b="1" dirty="0"/>
-              <a:t>Looping </a:t>
+              <a:t> </a:t>
             </a:r>
             <a:r>
               <a:rPr lang="en-US" b="1" dirty="0">
                 <a:solidFill>
-                  <a:schemeClr val="accent6"/>
-                </a:solidFill>
-              </a:rPr>
-              <a:t>(</a:t>
+                  <a:schemeClr val="accent2"/>
+                </a:solidFill>
+              </a:rPr>
+              <a:t>&amp;</a:t>
             </a:r>
             <a:r>
               <a:rPr lang="en-US" b="1" dirty="0"/>
-              <a:t>Iterating</a:t>
+              <a:t> </a:t>
             </a:r>
             <a:r>
               <a:rPr lang="en-US" b="1" dirty="0">
                 <a:solidFill>
-                  <a:schemeClr val="accent6"/>
-                </a:solidFill>
-              </a:rPr>
-              <a:t>)</a:t>
-            </a:r>
+                  <a:srgbClr val="00FF00"/>
+                </a:solidFill>
+                <a:latin typeface="Courier New" panose="02070309020205020404" pitchFamily="49" charset="0"/>
+                <a:cs typeface="Courier New" panose="02070309020205020404" pitchFamily="49" charset="0"/>
+              </a:rPr>
+              <a:t>for</a:t>
+            </a:r>
+            <a:r>
+              <a:rPr lang="en-US" b="1" dirty="0"/>
+              <a:t> Loops</a:t>
+            </a:r>
+            <a:endParaRPr lang="en-US" b="1" dirty="0">
+              <a:solidFill>
+                <a:schemeClr val="accent6"/>
+              </a:solidFill>
+            </a:endParaRPr>
           </a:p>
         </p:txBody>
       </p:sp>
@@ -11493,8 +12382,32 @@
           <a:lstStyle/>
           <a:p>
             <a:r>
+              <a:rPr lang="en-US" b="1" dirty="0">
+                <a:solidFill>
+                  <a:srgbClr val="00FF00"/>
+                </a:solidFill>
+                <a:latin typeface="Courier New" panose="02070309020205020404" pitchFamily="49" charset="0"/>
+                <a:cs typeface="Courier New" panose="02070309020205020404" pitchFamily="49" charset="0"/>
+              </a:rPr>
+              <a:t>for</a:t>
+            </a:r>
+            <a:r>
               <a:rPr lang="en-US" dirty="0"/>
-              <a:t>Looping means repeating something over and over until a particular condition is satisfied</a:t>
+              <a:t> loop or </a:t>
+            </a:r>
+            <a:r>
+              <a:rPr lang="en-US" b="1" dirty="0">
+                <a:solidFill>
+                  <a:srgbClr val="00FF00"/>
+                </a:solidFill>
+                <a:latin typeface="Courier New" panose="02070309020205020404" pitchFamily="49" charset="0"/>
+                <a:cs typeface="Courier New" panose="02070309020205020404" pitchFamily="49" charset="0"/>
+              </a:rPr>
+              <a:t>while</a:t>
+            </a:r>
+            <a:r>
+              <a:rPr lang="en-US" dirty="0"/>
+              <a:t> loop</a:t>
             </a:r>
             <a:r>
               <a:rPr lang="en-US" dirty="0">
@@ -11502,7 +12415,7 @@
                   <a:schemeClr val="accent2"/>
                 </a:solidFill>
               </a:rPr>
-              <a:t>.</a:t>
+              <a:t>?</a:t>
             </a:r>
             <a:r>
               <a:rPr lang="en-US" dirty="0"/>
@@ -11570,7 +12483,7 @@
                   <a:srgbClr val="FFFFFF"/>
                 </a:solidFill>
               </a:rPr>
-              <a:t>List of Customers</a:t>
+              <a:t>List of Tweets</a:t>
             </a:r>
           </a:p>
         </p:txBody>
@@ -11629,7 +12542,23 @@
                   <a:srgbClr val="FFFFFF"/>
                 </a:solidFill>
               </a:rPr>
-              <a:t>Send Promotional Email</a:t>
+              <a:t>Does the Tweet contain </a:t>
+            </a:r>
+            <a:r>
+              <a:rPr lang="en-US" sz="2800" b="1" dirty="0">
+                <a:solidFill>
+                  <a:schemeClr val="accent6"/>
+                </a:solidFill>
+              </a:rPr>
+              <a:t>#</a:t>
+            </a:r>
+            <a:r>
+              <a:rPr lang="en-US" sz="2800" b="1" dirty="0">
+                <a:solidFill>
+                  <a:srgbClr val="FFFFFF"/>
+                </a:solidFill>
+              </a:rPr>
+              <a:t>cleancode</a:t>
             </a:r>
           </a:p>
         </p:txBody>
@@ -11697,8 +12626,8 @@
         </p:nvSpPr>
         <p:spPr>
           <a:xfrm>
-            <a:off x="1416087" y="4496218"/>
-            <a:ext cx="1103187" cy="523220"/>
+            <a:off x="1215512" y="4496218"/>
+            <a:ext cx="1385123" cy="523220"/>
           </a:xfrm>
           <a:prstGeom prst="rect">
             <a:avLst/>
@@ -11717,7 +12646,23 @@
                   <a:srgbClr val="FFFFFF"/>
                 </a:solidFill>
               </a:rPr>
-              <a:t>Email</a:t>
+              <a:t>Yes</a:t>
+            </a:r>
+            <a:r>
+              <a:rPr lang="en-US" sz="2800" b="1" dirty="0">
+                <a:solidFill>
+                  <a:schemeClr val="accent6"/>
+                </a:solidFill>
+              </a:rPr>
+              <a:t>/</a:t>
+            </a:r>
+            <a:r>
+              <a:rPr lang="en-US" sz="2800" b="1" dirty="0">
+                <a:solidFill>
+                  <a:srgbClr val="FFFFFF"/>
+                </a:solidFill>
+              </a:rPr>
+              <a:t>No</a:t>
             </a:r>
           </a:p>
         </p:txBody>
@@ -11811,7 +12756,7 @@
     </p:spTree>
     <p:extLst>
       <p:ext uri="{BB962C8B-B14F-4D97-AF65-F5344CB8AC3E}">
-        <p14:creationId xmlns:p14="http://schemas.microsoft.com/office/powerpoint/2010/main" val="1632449445"/>
+        <p14:creationId xmlns:p14="http://schemas.microsoft.com/office/powerpoint/2010/main" val="1253679786"/>
       </p:ext>
     </p:extLst>
   </p:cSld>
@@ -11821,7 +12766,7 @@
 </p:sld>
 </file>
 
-<file path=ppt/slides/slide30.xml><?xml version="1.0" encoding="utf-8"?>
+<file path=ppt/slides/slide32.xml><?xml version="1.0" encoding="utf-8"?>
 <p:sld xmlns:a="http://schemas.openxmlformats.org/drawingml/2006/main" xmlns:r="http://schemas.openxmlformats.org/officeDocument/2006/relationships" xmlns:p="http://schemas.openxmlformats.org/presentationml/2006/main">
   <p:cSld>
     <p:spTree>
@@ -12344,7 +13289,7 @@
 </p:sld>
 </file>
 
-<file path=ppt/slides/slide31.xml><?xml version="1.0" encoding="utf-8"?>
+<file path=ppt/slides/slide33.xml><?xml version="1.0" encoding="utf-8"?>
 <p:sld xmlns:a="http://schemas.openxmlformats.org/drawingml/2006/main" xmlns:r="http://schemas.openxmlformats.org/officeDocument/2006/relationships" xmlns:p="http://schemas.openxmlformats.org/presentationml/2006/main">
   <p:cSld>
     <p:spTree>
@@ -12793,7 +13738,7 @@
 </p:sld>
 </file>
 
-<file path=ppt/slides/slide32.xml><?xml version="1.0" encoding="utf-8"?>
+<file path=ppt/slides/slide34.xml><?xml version="1.0" encoding="utf-8"?>
 <p:sld xmlns:a="http://schemas.openxmlformats.org/drawingml/2006/main" xmlns:r="http://schemas.openxmlformats.org/officeDocument/2006/relationships" xmlns:p="http://schemas.openxmlformats.org/presentationml/2006/main">
   <p:cSld>
     <p:spTree>
@@ -13138,7 +14083,7 @@
 </p:sld>
 </file>
 
-<file path=ppt/slides/slide33.xml><?xml version="1.0" encoding="utf-8"?>
+<file path=ppt/slides/slide35.xml><?xml version="1.0" encoding="utf-8"?>
 <p:sld xmlns:a="http://schemas.openxmlformats.org/drawingml/2006/main" xmlns:r="http://schemas.openxmlformats.org/officeDocument/2006/relationships" xmlns:p="http://schemas.openxmlformats.org/presentationml/2006/main">
   <p:cSld>
     <p:spTree>
@@ -13351,7 +14296,7 @@
 </p:sld>
 </file>
 
-<file path=ppt/slides/slide34.xml><?xml version="1.0" encoding="utf-8"?>
+<file path=ppt/slides/slide36.xml><?xml version="1.0" encoding="utf-8"?>
 <p:sld xmlns:a="http://schemas.openxmlformats.org/drawingml/2006/main" xmlns:r="http://schemas.openxmlformats.org/officeDocument/2006/relationships" xmlns:p="http://schemas.openxmlformats.org/presentationml/2006/main">
   <p:cSld>
     <p:spTree>
